--- a/references/CAB.pptx
+++ b/references/CAB.pptx
@@ -5,7 +5,7 @@
     <p:sldMasterId id="2147483648" r:id="rId1"/>
   </p:sldMasterIdLst>
   <p:notesMasterIdLst>
-    <p:notesMasterId r:id="rId12"/>
+    <p:notesMasterId r:id="rId14"/>
   </p:notesMasterIdLst>
   <p:sldIdLst>
     <p:sldId id="256" r:id="rId2"/>
@@ -18,6 +18,8 @@
     <p:sldId id="828" r:id="rId9"/>
     <p:sldId id="829" r:id="rId10"/>
     <p:sldId id="830" r:id="rId11"/>
+    <p:sldId id="831" r:id="rId12"/>
+    <p:sldId id="832" r:id="rId13"/>
   </p:sldIdLst>
   <p:sldSz cx="9144000" cy="6858000" type="screen4x3"/>
   <p:notesSz cx="6735763" cy="9866313"/>
@@ -218,7 +220,7 @@
             <a:fld id="{D297CC54-3FFF-4A8D-AA37-893979DC91AC}" type="datetimeFigureOut">
               <a:rPr kumimoji="1" lang="ja-JP" altLang="en-US" smtClean="0"/>
               <a:pPr/>
-              <a:t>2019/10/3</a:t>
+              <a:t>2020/1/20</a:t>
             </a:fld>
             <a:endParaRPr kumimoji="1" lang="ja-JP" altLang="en-US"/>
           </a:p>
@@ -1032,7 +1034,7 @@
             <a:fld id="{9F51BEFB-FC10-4BDA-8933-C32D8D3C42E6}" type="datetimeFigureOut">
               <a:rPr kumimoji="1" lang="ja-JP" altLang="en-US" smtClean="0"/>
               <a:pPr/>
-              <a:t>2019/10/3</a:t>
+              <a:t>2020/1/20</a:t>
             </a:fld>
             <a:endParaRPr kumimoji="1" lang="ja-JP" altLang="en-US"/>
           </a:p>
@@ -1229,7 +1231,7 @@
             <a:fld id="{9F51BEFB-FC10-4BDA-8933-C32D8D3C42E6}" type="datetimeFigureOut">
               <a:rPr kumimoji="1" lang="ja-JP" altLang="en-US" smtClean="0"/>
               <a:pPr/>
-              <a:t>2019/10/3</a:t>
+              <a:t>2020/1/20</a:t>
             </a:fld>
             <a:endParaRPr kumimoji="1" lang="ja-JP" altLang="en-US"/>
           </a:p>
@@ -1436,7 +1438,7 @@
             <a:fld id="{9F51BEFB-FC10-4BDA-8933-C32D8D3C42E6}" type="datetimeFigureOut">
               <a:rPr kumimoji="1" lang="ja-JP" altLang="en-US" smtClean="0"/>
               <a:pPr/>
-              <a:t>2019/10/3</a:t>
+              <a:t>2020/1/20</a:t>
             </a:fld>
             <a:endParaRPr kumimoji="1" lang="ja-JP" altLang="en-US"/>
           </a:p>
@@ -1640,7 +1642,7 @@
             <a:fld id="{9F51BEFB-FC10-4BDA-8933-C32D8D3C42E6}" type="datetimeFigureOut">
               <a:rPr kumimoji="1" lang="ja-JP" altLang="en-US" smtClean="0"/>
               <a:pPr/>
-              <a:t>2019/10/3</a:t>
+              <a:t>2020/1/20</a:t>
             </a:fld>
             <a:endParaRPr kumimoji="1" lang="ja-JP" altLang="en-US"/>
           </a:p>
@@ -1882,7 +1884,7 @@
             <a:fld id="{9F51BEFB-FC10-4BDA-8933-C32D8D3C42E6}" type="datetimeFigureOut">
               <a:rPr kumimoji="1" lang="ja-JP" altLang="en-US" smtClean="0"/>
               <a:pPr/>
-              <a:t>2019/10/3</a:t>
+              <a:t>2020/1/20</a:t>
             </a:fld>
             <a:endParaRPr kumimoji="1" lang="ja-JP" altLang="en-US"/>
           </a:p>
@@ -2234,7 +2236,7 @@
             <a:fld id="{9F51BEFB-FC10-4BDA-8933-C32D8D3C42E6}" type="datetimeFigureOut">
               <a:rPr kumimoji="1" lang="ja-JP" altLang="en-US" smtClean="0"/>
               <a:pPr/>
-              <a:t>2019/10/3</a:t>
+              <a:t>2020/1/20</a:t>
             </a:fld>
             <a:endParaRPr kumimoji="1" lang="ja-JP" altLang="en-US"/>
           </a:p>
@@ -2716,7 +2718,7 @@
             <a:fld id="{9F51BEFB-FC10-4BDA-8933-C32D8D3C42E6}" type="datetimeFigureOut">
               <a:rPr kumimoji="1" lang="ja-JP" altLang="en-US" smtClean="0"/>
               <a:pPr/>
-              <a:t>2019/10/3</a:t>
+              <a:t>2020/1/20</a:t>
             </a:fld>
             <a:endParaRPr kumimoji="1" lang="ja-JP" altLang="en-US"/>
           </a:p>
@@ -2808,7 +2810,7 @@
             <a:fld id="{9F51BEFB-FC10-4BDA-8933-C32D8D3C42E6}" type="datetimeFigureOut">
               <a:rPr kumimoji="1" lang="ja-JP" altLang="en-US" smtClean="0"/>
               <a:pPr/>
-              <a:t>2019/10/3</a:t>
+              <a:t>2020/1/20</a:t>
             </a:fld>
             <a:endParaRPr kumimoji="1" lang="ja-JP" altLang="en-US"/>
           </a:p>
@@ -2998,7 +3000,7 @@
             <a:fld id="{9F51BEFB-FC10-4BDA-8933-C32D8D3C42E6}" type="datetimeFigureOut">
               <a:rPr kumimoji="1" lang="ja-JP" altLang="en-US" smtClean="0"/>
               <a:pPr/>
-              <a:t>2019/10/3</a:t>
+              <a:t>2020/1/20</a:t>
             </a:fld>
             <a:endParaRPr kumimoji="1" lang="ja-JP" altLang="en-US"/>
           </a:p>
@@ -3302,7 +3304,7 @@
             <a:fld id="{9F51BEFB-FC10-4BDA-8933-C32D8D3C42E6}" type="datetimeFigureOut">
               <a:rPr kumimoji="1" lang="ja-JP" altLang="en-US" smtClean="0"/>
               <a:pPr/>
-              <a:t>2019/10/3</a:t>
+              <a:t>2020/1/20</a:t>
             </a:fld>
             <a:endParaRPr kumimoji="1" lang="ja-JP" altLang="en-US"/>
           </a:p>
@@ -3554,7 +3556,7 @@
             <a:fld id="{9F51BEFB-FC10-4BDA-8933-C32D8D3C42E6}" type="datetimeFigureOut">
               <a:rPr kumimoji="1" lang="ja-JP" altLang="en-US" smtClean="0"/>
               <a:pPr/>
-              <a:t>2019/10/3</a:t>
+              <a:t>2020/1/20</a:t>
             </a:fld>
             <a:endParaRPr kumimoji="1" lang="ja-JP" altLang="en-US"/>
           </a:p>
@@ -3794,7 +3796,7 @@
             <a:fld id="{9F51BEFB-FC10-4BDA-8933-C32D8D3C42E6}" type="datetimeFigureOut">
               <a:rPr kumimoji="1" lang="ja-JP" altLang="en-US" smtClean="0"/>
               <a:pPr/>
-              <a:t>2019/10/3</a:t>
+              <a:t>2020/1/20</a:t>
             </a:fld>
             <a:endParaRPr kumimoji="1" lang="ja-JP" altLang="en-US"/>
           </a:p>
@@ -4285,72 +4287,562 @@
           </a:p>
         </p:txBody>
       </p:sp>
-      <p:pic>
-        <p:nvPicPr>
-          <p:cNvPr id="3" name="図 2">
+      <p:grpSp>
+        <p:nvGrpSpPr>
+          <p:cNvPr id="15" name="グループ化 14">
             <a:extLst>
               <a:ext uri="{FF2B5EF4-FFF2-40B4-BE49-F238E27FC236}">
-                <a16:creationId xmlns:a16="http://schemas.microsoft.com/office/drawing/2014/main" id="{B4458CA1-A602-43DE-B8FF-E0954023F22D}"/>
+                <a16:creationId xmlns:a16="http://schemas.microsoft.com/office/drawing/2014/main" id="{BA7CC29E-D1D7-40C0-91DD-D19EE8E59564}"/>
               </a:ext>
             </a:extLst>
           </p:cNvPr>
-          <p:cNvPicPr>
-            <a:picLocks noChangeAspect="1"/>
-          </p:cNvPicPr>
+          <p:cNvGrpSpPr/>
           <p:nvPr/>
-        </p:nvPicPr>
-        <p:blipFill>
-          <a:blip r:embed="rId2"/>
-          <a:stretch>
-            <a:fillRect/>
-          </a:stretch>
-        </p:blipFill>
-        <p:spPr>
+        </p:nvGrpSpPr>
+        <p:grpSpPr>
           <a:xfrm>
             <a:off x="116505" y="953725"/>
-            <a:ext cx="1752600" cy="1123950"/>
+            <a:ext cx="7338849" cy="5332760"/>
+            <a:chOff x="116505" y="953725"/>
+            <a:chExt cx="5659117" cy="4112186"/>
           </a:xfrm>
-          <a:prstGeom prst="rect">
-            <a:avLst/>
-          </a:prstGeom>
-        </p:spPr>
-      </p:pic>
-      <p:pic>
-        <p:nvPicPr>
-          <p:cNvPr id="4" name="図 3">
+        </p:grpSpPr>
+        <p:pic>
+          <p:nvPicPr>
+            <p:cNvPr id="3" name="図 2">
+              <a:extLst>
+                <a:ext uri="{FF2B5EF4-FFF2-40B4-BE49-F238E27FC236}">
+                  <a16:creationId xmlns:a16="http://schemas.microsoft.com/office/drawing/2014/main" id="{B4458CA1-A602-43DE-B8FF-E0954023F22D}"/>
+                </a:ext>
+              </a:extLst>
+            </p:cNvPr>
+            <p:cNvPicPr>
+              <a:picLocks noChangeAspect="1"/>
+            </p:cNvPicPr>
+            <p:nvPr/>
+          </p:nvPicPr>
+          <p:blipFill>
+            <a:blip r:embed="rId2"/>
+            <a:stretch>
+              <a:fillRect/>
+            </a:stretch>
+          </p:blipFill>
+          <p:spPr>
+            <a:xfrm>
+              <a:off x="116505" y="953725"/>
+              <a:ext cx="1752600" cy="1123950"/>
+            </a:xfrm>
+            <a:prstGeom prst="rect">
+              <a:avLst/>
+            </a:prstGeom>
+          </p:spPr>
+        </p:pic>
+        <p:pic>
+          <p:nvPicPr>
+            <p:cNvPr id="4" name="図 3">
+              <a:extLst>
+                <a:ext uri="{FF2B5EF4-FFF2-40B4-BE49-F238E27FC236}">
+                  <a16:creationId xmlns:a16="http://schemas.microsoft.com/office/drawing/2014/main" id="{7247B442-3B9E-41E0-9A35-C84AF035737C}"/>
+                </a:ext>
+              </a:extLst>
+            </p:cNvPr>
+            <p:cNvPicPr>
+              <a:picLocks noChangeAspect="1"/>
+            </p:cNvPicPr>
+            <p:nvPr/>
+          </p:nvPicPr>
+          <p:blipFill>
+            <a:blip r:embed="rId3"/>
+            <a:stretch>
+              <a:fillRect/>
+            </a:stretch>
+          </p:blipFill>
+          <p:spPr>
+            <a:xfrm>
+              <a:off x="476545" y="2168860"/>
+              <a:ext cx="2247900" cy="2886075"/>
+            </a:xfrm>
+            <a:prstGeom prst="rect">
+              <a:avLst/>
+            </a:prstGeom>
+          </p:spPr>
+        </p:pic>
+        <p:sp>
+          <p:nvSpPr>
+            <p:cNvPr id="5" name="テキスト ボックス 4">
+              <a:extLst>
+                <a:ext uri="{FF2B5EF4-FFF2-40B4-BE49-F238E27FC236}">
+                  <a16:creationId xmlns:a16="http://schemas.microsoft.com/office/drawing/2014/main" id="{BAAA6753-1316-4CB4-907E-7BC008B0F38D}"/>
+                </a:ext>
+              </a:extLst>
+            </p:cNvPr>
+            <p:cNvSpPr txBox="1"/>
+            <p:nvPr/>
+          </p:nvSpPr>
+          <p:spPr>
+            <a:xfrm>
+              <a:off x="2310575" y="2133666"/>
+              <a:ext cx="1091727" cy="261065"/>
+            </a:xfrm>
+            <a:prstGeom prst="rect">
+              <a:avLst/>
+            </a:prstGeom>
+            <a:noFill/>
+          </p:spPr>
+          <p:txBody>
+            <a:bodyPr wrap="none" rtlCol="0">
+              <a:spAutoFit/>
+            </a:bodyPr>
+            <a:lstStyle/>
+            <a:p>
+              <a:r>
+                <a:rPr kumimoji="1" lang="ja-JP" altLang="en-US" sz="1600" dirty="0"/>
+                <a:t>ベイズ最適化</a:t>
+              </a:r>
+            </a:p>
+          </p:txBody>
+        </p:sp>
+        <p:sp>
+          <p:nvSpPr>
+            <p:cNvPr id="6" name="テキスト ボックス 5">
+              <a:extLst>
+                <a:ext uri="{FF2B5EF4-FFF2-40B4-BE49-F238E27FC236}">
+                  <a16:creationId xmlns:a16="http://schemas.microsoft.com/office/drawing/2014/main" id="{54D57C0C-757D-4A56-B65A-66F6A2EC4843}"/>
+                </a:ext>
+              </a:extLst>
+            </p:cNvPr>
+            <p:cNvSpPr txBox="1"/>
+            <p:nvPr/>
+          </p:nvSpPr>
+          <p:spPr>
+            <a:xfrm>
+              <a:off x="2310575" y="2323755"/>
+              <a:ext cx="933506" cy="261065"/>
+            </a:xfrm>
+            <a:prstGeom prst="rect">
+              <a:avLst/>
+            </a:prstGeom>
+            <a:noFill/>
+          </p:spPr>
+          <p:txBody>
+            <a:bodyPr wrap="none" rtlCol="0">
+              <a:spAutoFit/>
+            </a:bodyPr>
+            <a:lstStyle/>
+            <a:p>
+              <a:r>
+                <a:rPr kumimoji="1" lang="ja-JP" altLang="en-US" sz="1600" dirty="0"/>
+                <a:t>変数重要度</a:t>
+              </a:r>
+            </a:p>
+          </p:txBody>
+        </p:sp>
+        <p:sp>
+          <p:nvSpPr>
+            <p:cNvPr id="7" name="テキスト ボックス 6">
+              <a:extLst>
+                <a:ext uri="{FF2B5EF4-FFF2-40B4-BE49-F238E27FC236}">
+                  <a16:creationId xmlns:a16="http://schemas.microsoft.com/office/drawing/2014/main" id="{3D6683EF-E9E2-43DF-BAC8-D4C00E000D20}"/>
+                </a:ext>
+              </a:extLst>
+            </p:cNvPr>
+            <p:cNvSpPr txBox="1"/>
+            <p:nvPr/>
+          </p:nvSpPr>
+          <p:spPr>
+            <a:xfrm>
+              <a:off x="2310575" y="2636093"/>
+              <a:ext cx="1724613" cy="261065"/>
+            </a:xfrm>
+            <a:prstGeom prst="rect">
+              <a:avLst/>
+            </a:prstGeom>
+            <a:noFill/>
+          </p:spPr>
+          <p:txBody>
+            <a:bodyPr wrap="none" rtlCol="0">
+              <a:spAutoFit/>
+            </a:bodyPr>
+            <a:lstStyle/>
+            <a:p>
+              <a:r>
+                <a:rPr kumimoji="1" lang="ja-JP" altLang="en-US" sz="1600" dirty="0"/>
+                <a:t>線形回帰のパラメータ</a:t>
+              </a:r>
+            </a:p>
+          </p:txBody>
+        </p:sp>
+        <p:sp>
+          <p:nvSpPr>
+            <p:cNvPr id="8" name="テキスト ボックス 7">
+              <a:extLst>
+                <a:ext uri="{FF2B5EF4-FFF2-40B4-BE49-F238E27FC236}">
+                  <a16:creationId xmlns:a16="http://schemas.microsoft.com/office/drawing/2014/main" id="{7C53B0B4-93EC-4595-851F-B28C97CD7B54}"/>
+                </a:ext>
+              </a:extLst>
+            </p:cNvPr>
+            <p:cNvSpPr txBox="1"/>
+            <p:nvPr/>
+          </p:nvSpPr>
+          <p:spPr>
+            <a:xfrm>
+              <a:off x="2310575" y="3052543"/>
+              <a:ext cx="933506" cy="261065"/>
+            </a:xfrm>
+            <a:prstGeom prst="rect">
+              <a:avLst/>
+            </a:prstGeom>
+            <a:noFill/>
+          </p:spPr>
+          <p:txBody>
+            <a:bodyPr wrap="none" rtlCol="0">
+              <a:spAutoFit/>
+            </a:bodyPr>
+            <a:lstStyle/>
+            <a:p>
+              <a:r>
+                <a:rPr kumimoji="1" lang="ja-JP" altLang="en-US" sz="1600" dirty="0"/>
+                <a:t>全探索結果</a:t>
+              </a:r>
+            </a:p>
+          </p:txBody>
+        </p:sp>
+        <p:sp>
+          <p:nvSpPr>
+            <p:cNvPr id="9" name="テキスト ボックス 8">
+              <a:extLst>
+                <a:ext uri="{FF2B5EF4-FFF2-40B4-BE49-F238E27FC236}">
+                  <a16:creationId xmlns:a16="http://schemas.microsoft.com/office/drawing/2014/main" id="{038D9B76-8FFC-403C-A582-34582AA4DE84}"/>
+                </a:ext>
+              </a:extLst>
+            </p:cNvPr>
+            <p:cNvSpPr txBox="1"/>
+            <p:nvPr/>
+          </p:nvSpPr>
+          <p:spPr>
+            <a:xfrm>
+              <a:off x="2310575" y="3362799"/>
+              <a:ext cx="1461323" cy="261065"/>
+            </a:xfrm>
+            <a:prstGeom prst="rect">
+              <a:avLst/>
+            </a:prstGeom>
+            <a:noFill/>
+          </p:spPr>
+          <p:txBody>
+            <a:bodyPr wrap="none" rtlCol="0">
+              <a:spAutoFit/>
+            </a:bodyPr>
+            <a:lstStyle/>
+            <a:p>
+              <a:r>
+                <a:rPr kumimoji="1" lang="ja-JP" altLang="en-US" sz="1600" dirty="0"/>
+                <a:t>実測</a:t>
+              </a:r>
+              <a:r>
+                <a:rPr kumimoji="1" lang="en-US" altLang="ja-JP" sz="1600" dirty="0"/>
+                <a:t>-</a:t>
+              </a:r>
+              <a:r>
+                <a:rPr kumimoji="1" lang="ja-JP" altLang="en-US" sz="1600" dirty="0"/>
+                <a:t>予測</a:t>
+              </a:r>
+              <a:r>
+                <a:rPr lang="ja-JP" altLang="en-US" sz="1600" dirty="0"/>
+                <a:t>プロット</a:t>
+              </a:r>
+              <a:endParaRPr kumimoji="1" lang="ja-JP" altLang="en-US" sz="1600" dirty="0"/>
+            </a:p>
+          </p:txBody>
+        </p:sp>
+        <p:sp>
+          <p:nvSpPr>
+            <p:cNvPr id="10" name="テキスト ボックス 9">
+              <a:extLst>
+                <a:ext uri="{FF2B5EF4-FFF2-40B4-BE49-F238E27FC236}">
+                  <a16:creationId xmlns:a16="http://schemas.microsoft.com/office/drawing/2014/main" id="{D7A3FD60-E0AB-4ADC-8272-BFBB404CBC68}"/>
+                </a:ext>
+              </a:extLst>
+            </p:cNvPr>
+            <p:cNvSpPr txBox="1"/>
+            <p:nvPr/>
+          </p:nvSpPr>
+          <p:spPr>
+            <a:xfrm>
+              <a:off x="2310575" y="3744808"/>
+              <a:ext cx="2132527" cy="261065"/>
+            </a:xfrm>
+            <a:prstGeom prst="rect">
+              <a:avLst/>
+            </a:prstGeom>
+            <a:noFill/>
+          </p:spPr>
+          <p:txBody>
+            <a:bodyPr wrap="none" rtlCol="0">
+              <a:spAutoFit/>
+            </a:bodyPr>
+            <a:lstStyle/>
+            <a:p>
+              <a:r>
+                <a:rPr kumimoji="1" lang="en-US" altLang="ja-JP" sz="1600" dirty="0"/>
+                <a:t>train</a:t>
+              </a:r>
+              <a:r>
+                <a:rPr kumimoji="1" lang="ja-JP" altLang="en-US" sz="1600" dirty="0"/>
+                <a:t>と</a:t>
+              </a:r>
+              <a:r>
+                <a:rPr kumimoji="1" lang="en-US" altLang="ja-JP" sz="1600" dirty="0"/>
+                <a:t>test</a:t>
+              </a:r>
+              <a:r>
+                <a:rPr kumimoji="1" lang="ja-JP" altLang="en-US" sz="1600" dirty="0"/>
+                <a:t>の実測</a:t>
+              </a:r>
+              <a:r>
+                <a:rPr kumimoji="1" lang="en-US" altLang="ja-JP" sz="1600" dirty="0"/>
+                <a:t>-</a:t>
+              </a:r>
+              <a:r>
+                <a:rPr kumimoji="1" lang="ja-JP" altLang="en-US" sz="1600" dirty="0"/>
+                <a:t>予測データ</a:t>
+              </a:r>
+            </a:p>
+          </p:txBody>
+        </p:sp>
+        <p:sp>
+          <p:nvSpPr>
+            <p:cNvPr id="11" name="テキスト ボックス 10">
+              <a:extLst>
+                <a:ext uri="{FF2B5EF4-FFF2-40B4-BE49-F238E27FC236}">
+                  <a16:creationId xmlns:a16="http://schemas.microsoft.com/office/drawing/2014/main" id="{2886DA4D-EE7E-4538-B67D-446C0B3BAD9D}"/>
+                </a:ext>
+              </a:extLst>
+            </p:cNvPr>
+            <p:cNvSpPr txBox="1"/>
+            <p:nvPr/>
+          </p:nvSpPr>
+          <p:spPr>
+            <a:xfrm>
+              <a:off x="2310575" y="4153650"/>
+              <a:ext cx="2041055" cy="261065"/>
+            </a:xfrm>
+            <a:prstGeom prst="rect">
+              <a:avLst/>
+            </a:prstGeom>
+            <a:noFill/>
+          </p:spPr>
+          <p:txBody>
+            <a:bodyPr wrap="none" rtlCol="0">
+              <a:spAutoFit/>
+            </a:bodyPr>
+            <a:lstStyle/>
+            <a:p>
+              <a:r>
+                <a:rPr lang="ja-JP" altLang="en-US" sz="1600" dirty="0"/>
+                <a:t>木系アルゴリズムの樹形図</a:t>
+              </a:r>
+              <a:endParaRPr kumimoji="1" lang="en-US" altLang="ja-JP" sz="1600" dirty="0"/>
+            </a:p>
+          </p:txBody>
+        </p:sp>
+        <p:sp>
+          <p:nvSpPr>
+            <p:cNvPr id="12" name="テキスト ボックス 11">
+              <a:extLst>
+                <a:ext uri="{FF2B5EF4-FFF2-40B4-BE49-F238E27FC236}">
+                  <a16:creationId xmlns:a16="http://schemas.microsoft.com/office/drawing/2014/main" id="{754FEEF9-663B-456C-B141-571F2D4437E9}"/>
+                </a:ext>
+              </a:extLst>
+            </p:cNvPr>
+            <p:cNvSpPr txBox="1"/>
+            <p:nvPr/>
+          </p:nvSpPr>
+          <p:spPr>
+            <a:xfrm>
+              <a:off x="2310575" y="4399871"/>
+              <a:ext cx="1882834" cy="261065"/>
+            </a:xfrm>
+            <a:prstGeom prst="rect">
+              <a:avLst/>
+            </a:prstGeom>
+            <a:noFill/>
+          </p:spPr>
+          <p:txBody>
+            <a:bodyPr wrap="none" rtlCol="0">
+              <a:spAutoFit/>
+            </a:bodyPr>
+            <a:lstStyle/>
+            <a:p>
+              <a:r>
+                <a:rPr lang="ja-JP" altLang="en-US" sz="1600" dirty="0"/>
+                <a:t>相関係数のヒートマップ</a:t>
+              </a:r>
+              <a:endParaRPr kumimoji="1" lang="en-US" altLang="ja-JP" sz="1600" dirty="0"/>
+            </a:p>
+          </p:txBody>
+        </p:sp>
+        <p:sp>
+          <p:nvSpPr>
+            <p:cNvPr id="13" name="テキスト ボックス 12">
+              <a:extLst>
+                <a:ext uri="{FF2B5EF4-FFF2-40B4-BE49-F238E27FC236}">
+                  <a16:creationId xmlns:a16="http://schemas.microsoft.com/office/drawing/2014/main" id="{C0799634-BCEA-42A7-AF88-43880A6ED61B}"/>
+                </a:ext>
+              </a:extLst>
+            </p:cNvPr>
+            <p:cNvSpPr txBox="1"/>
+            <p:nvPr/>
+          </p:nvSpPr>
+          <p:spPr>
+            <a:xfrm>
+              <a:off x="2310575" y="4604292"/>
+              <a:ext cx="3465047" cy="261065"/>
+            </a:xfrm>
+            <a:prstGeom prst="rect">
+              <a:avLst/>
+            </a:prstGeom>
+            <a:noFill/>
+          </p:spPr>
+          <p:txBody>
+            <a:bodyPr wrap="none" rtlCol="0">
+              <a:spAutoFit/>
+            </a:bodyPr>
+            <a:lstStyle/>
+            <a:p>
+              <a:r>
+                <a:rPr lang="ja-JP" altLang="en-US" sz="1600" dirty="0"/>
+                <a:t>実測</a:t>
+              </a:r>
+              <a:r>
+                <a:rPr lang="en-US" altLang="ja-JP" sz="1600" dirty="0"/>
+                <a:t>-</a:t>
+              </a:r>
+              <a:r>
+                <a:rPr lang="ja-JP" altLang="en-US" sz="1600" dirty="0"/>
+                <a:t>予測プロット</a:t>
+              </a:r>
+              <a:r>
+                <a:rPr lang="en-US" altLang="ja-JP" sz="1600" dirty="0"/>
+                <a:t>	</a:t>
+              </a:r>
+              <a:r>
+                <a:rPr lang="ja-JP" altLang="en-US" sz="1600" dirty="0"/>
+                <a:t>　（ランダムフォレスト）</a:t>
+              </a:r>
+              <a:endParaRPr kumimoji="1" lang="en-US" altLang="ja-JP" sz="1600" dirty="0"/>
+            </a:p>
+          </p:txBody>
+        </p:sp>
+        <p:sp>
+          <p:nvSpPr>
+            <p:cNvPr id="14" name="テキスト ボックス 13">
+              <a:extLst>
+                <a:ext uri="{FF2B5EF4-FFF2-40B4-BE49-F238E27FC236}">
+                  <a16:creationId xmlns:a16="http://schemas.microsoft.com/office/drawing/2014/main" id="{B7D5123E-E6AC-44D0-BF9A-89AD4D78F016}"/>
+                </a:ext>
+              </a:extLst>
+            </p:cNvPr>
+            <p:cNvSpPr txBox="1"/>
+            <p:nvPr/>
+          </p:nvSpPr>
+          <p:spPr>
+            <a:xfrm>
+              <a:off x="2310575" y="4804846"/>
+              <a:ext cx="3465047" cy="261065"/>
+            </a:xfrm>
+            <a:prstGeom prst="rect">
+              <a:avLst/>
+            </a:prstGeom>
+            <a:noFill/>
+          </p:spPr>
+          <p:txBody>
+            <a:bodyPr wrap="none" rtlCol="0">
+              <a:spAutoFit/>
+            </a:bodyPr>
+            <a:lstStyle/>
+            <a:p>
+              <a:r>
+                <a:rPr lang="ja-JP" altLang="en-US" sz="1600" dirty="0"/>
+                <a:t>変数重要度</a:t>
+              </a:r>
+              <a:r>
+                <a:rPr lang="en-US" altLang="ja-JP" sz="1600" dirty="0"/>
+                <a:t>	</a:t>
+              </a:r>
+              <a:r>
+                <a:rPr lang="ja-JP" altLang="en-US" sz="1600" dirty="0"/>
+                <a:t>　（ランダムフォレスト）</a:t>
+              </a:r>
+              <a:endParaRPr kumimoji="1" lang="en-US" altLang="ja-JP" sz="1600" dirty="0"/>
+            </a:p>
+          </p:txBody>
+        </p:sp>
+      </p:grpSp>
+    </p:spTree>
+    <p:extLst>
+      <p:ext uri="{BB962C8B-B14F-4D97-AF65-F5344CB8AC3E}">
+        <p14:creationId xmlns:p14="http://schemas.microsoft.com/office/powerpoint/2010/main" val="4232076924"/>
+      </p:ext>
+    </p:extLst>
+  </p:cSld>
+  <p:clrMapOvr>
+    <a:masterClrMapping/>
+  </p:clrMapOvr>
+</p:sld>
+</file>
+
+<file path=ppt/slides/slide11.xml><?xml version="1.0" encoding="utf-8"?>
+<p:sld xmlns:a="http://schemas.openxmlformats.org/drawingml/2006/main" xmlns:r="http://schemas.openxmlformats.org/officeDocument/2006/relationships" xmlns:p="http://schemas.openxmlformats.org/presentationml/2006/main">
+  <p:cSld>
+    <p:spTree>
+      <p:nvGrpSpPr>
+        <p:cNvPr id="1" name=""/>
+        <p:cNvGrpSpPr/>
+        <p:nvPr/>
+      </p:nvGrpSpPr>
+      <p:grpSpPr>
+        <a:xfrm>
+          <a:off x="0" y="0"/>
+          <a:ext cx="0" cy="0"/>
+          <a:chOff x="0" y="0"/>
+          <a:chExt cx="0" cy="0"/>
+        </a:xfrm>
+      </p:grpSpPr>
+      <p:sp>
+        <p:nvSpPr>
+          <p:cNvPr id="2" name="タイトル 1">
             <a:extLst>
               <a:ext uri="{FF2B5EF4-FFF2-40B4-BE49-F238E27FC236}">
-                <a16:creationId xmlns:a16="http://schemas.microsoft.com/office/drawing/2014/main" id="{7247B442-3B9E-41E0-9A35-C84AF035737C}"/>
+                <a16:creationId xmlns:a16="http://schemas.microsoft.com/office/drawing/2014/main" id="{94732EA2-8735-49B0-B2B9-7515A862D432}"/>
               </a:ext>
             </a:extLst>
           </p:cNvPr>
-          <p:cNvPicPr>
-            <a:picLocks noChangeAspect="1"/>
-          </p:cNvPicPr>
-          <p:nvPr/>
-        </p:nvPicPr>
-        <p:blipFill>
-          <a:blip r:embed="rId3"/>
-          <a:stretch>
-            <a:fillRect/>
-          </a:stretch>
-        </p:blipFill>
-        <p:spPr>
-          <a:xfrm>
-            <a:off x="476545" y="2168860"/>
-            <a:ext cx="2247900" cy="2886075"/>
-          </a:xfrm>
-          <a:prstGeom prst="rect">
-            <a:avLst/>
-          </a:prstGeom>
-        </p:spPr>
-      </p:pic>
-      <p:sp>
-        <p:nvSpPr>
-          <p:cNvPr id="5" name="テキスト ボックス 4">
+          <p:cNvSpPr>
+            <a:spLocks noGrp="1"/>
+          </p:cNvSpPr>
+          <p:nvPr>
+            <p:ph type="title"/>
+          </p:nvPr>
+        </p:nvSpPr>
+        <p:spPr/>
+        <p:txBody>
+          <a:bodyPr/>
+          <a:lstStyle/>
+          <a:p>
+            <a:r>
+              <a:rPr kumimoji="1" lang="ja-JP" altLang="en-US" dirty="0"/>
+              <a:t>ライセンス関係①</a:t>
+            </a:r>
+          </a:p>
+        </p:txBody>
+      </p:sp>
+      <p:sp>
+        <p:nvSpPr>
+          <p:cNvPr id="3" name="テキスト ボックス 2">
             <a:extLst>
               <a:ext uri="{FF2B5EF4-FFF2-40B4-BE49-F238E27FC236}">
-                <a16:creationId xmlns:a16="http://schemas.microsoft.com/office/drawing/2014/main" id="{BAAA6753-1316-4CB4-907E-7BC008B0F38D}"/>
+                <a16:creationId xmlns:a16="http://schemas.microsoft.com/office/drawing/2014/main" id="{238C6129-CDB1-4648-AA3E-EC3372C984E5}"/>
               </a:ext>
             </a:extLst>
           </p:cNvPr>
@@ -4359,8 +4851,8 @@
         </p:nvSpPr>
         <p:spPr>
           <a:xfrm>
-            <a:off x="2310575" y="2168860"/>
-            <a:ext cx="1210588" cy="246221"/>
+            <a:off x="760700" y="818710"/>
+            <a:ext cx="7622600" cy="400110"/>
           </a:xfrm>
           <a:prstGeom prst="rect">
             <a:avLst/>
@@ -4374,18 +4866,463 @@
           <a:lstStyle/>
           <a:p>
             <a:r>
-              <a:rPr kumimoji="1" lang="ja-JP" altLang="en-US" sz="1000" dirty="0"/>
-              <a:t>ベイズ最適化結果</a:t>
-            </a:r>
-          </a:p>
-        </p:txBody>
-      </p:sp>
-      <p:sp>
-        <p:nvSpPr>
-          <p:cNvPr id="6" name="テキスト ボックス 5">
+              <a:rPr lang="ja-JP" altLang="en-US" sz="2000" dirty="0"/>
+              <a:t>当ソフトは様々なオープンソースソフトウェアを利用しています</a:t>
+            </a:r>
+            <a:endParaRPr kumimoji="1" lang="ja-JP" altLang="en-US" sz="2000" dirty="0"/>
+          </a:p>
+        </p:txBody>
+      </p:sp>
+      <p:graphicFrame>
+        <p:nvGraphicFramePr>
+          <p:cNvPr id="4" name="表 3">
             <a:extLst>
               <a:ext uri="{FF2B5EF4-FFF2-40B4-BE49-F238E27FC236}">
-                <a16:creationId xmlns:a16="http://schemas.microsoft.com/office/drawing/2014/main" id="{54D57C0C-757D-4A56-B65A-66F6A2EC4843}"/>
+                <a16:creationId xmlns:a16="http://schemas.microsoft.com/office/drawing/2014/main" id="{2A374D52-F43C-4688-93AD-670C2E5B5002}"/>
+              </a:ext>
+            </a:extLst>
+          </p:cNvPr>
+          <p:cNvGraphicFramePr>
+            <a:graphicFrameLocks noGrp="1"/>
+          </p:cNvGraphicFramePr>
+          <p:nvPr>
+            <p:extLst>
+              <p:ext uri="{D42A27DB-BD31-4B8C-83A1-F6EECF244321}">
+                <p14:modId xmlns:p14="http://schemas.microsoft.com/office/powerpoint/2010/main" val="3781409732"/>
+              </p:ext>
+            </p:extLst>
+          </p:nvPr>
+        </p:nvGraphicFramePr>
+        <p:xfrm>
+          <a:off x="566555" y="1313765"/>
+          <a:ext cx="7622600" cy="3344784"/>
+        </p:xfrm>
+        <a:graphic>
+          <a:graphicData uri="http://schemas.openxmlformats.org/drawingml/2006/table">
+            <a:tbl>
+              <a:tblPr firstRow="1" bandRow="1">
+                <a:tableStyleId>{5940675A-B579-460E-94D1-54222C63F5DA}</a:tableStyleId>
+              </a:tblPr>
+              <a:tblGrid>
+                <a:gridCol w="2285236">
+                  <a:extLst>
+                    <a:ext uri="{9D8B030D-6E8A-4147-A177-3AD203B41FA5}">
+                      <a16:colId xmlns:a16="http://schemas.microsoft.com/office/drawing/2014/main" val="598138420"/>
+                    </a:ext>
+                  </a:extLst>
+                </a:gridCol>
+                <a:gridCol w="2343641">
+                  <a:extLst>
+                    <a:ext uri="{9D8B030D-6E8A-4147-A177-3AD203B41FA5}">
+                      <a16:colId xmlns:a16="http://schemas.microsoft.com/office/drawing/2014/main" val="1233394448"/>
+                    </a:ext>
+                  </a:extLst>
+                </a:gridCol>
+                <a:gridCol w="2993723">
+                  <a:extLst>
+                    <a:ext uri="{9D8B030D-6E8A-4147-A177-3AD203B41FA5}">
+                      <a16:colId xmlns:a16="http://schemas.microsoft.com/office/drawing/2014/main" val="1759835382"/>
+                    </a:ext>
+                  </a:extLst>
+                </a:gridCol>
+              </a:tblGrid>
+              <a:tr h="557464">
+                <a:tc>
+                  <a:txBody>
+                    <a:bodyPr/>
+                    <a:lstStyle/>
+                    <a:p>
+                      <a:pPr algn="ctr"/>
+                      <a:endParaRPr kumimoji="1" lang="ja-JP" altLang="en-US" sz="1400" dirty="0"/>
+                    </a:p>
+                  </a:txBody>
+                  <a:tcPr anchor="ctr"/>
+                </a:tc>
+                <a:tc>
+                  <a:txBody>
+                    <a:bodyPr/>
+                    <a:lstStyle/>
+                    <a:p>
+                      <a:pPr algn="ctr"/>
+                      <a:r>
+                        <a:rPr kumimoji="1" lang="ja-JP" altLang="en-US" sz="1400" dirty="0"/>
+                        <a:t>用途</a:t>
+                      </a:r>
+                    </a:p>
+                  </a:txBody>
+                  <a:tcPr anchor="ctr"/>
+                </a:tc>
+                <a:tc>
+                  <a:txBody>
+                    <a:bodyPr/>
+                    <a:lstStyle/>
+                    <a:p>
+                      <a:pPr algn="ctr"/>
+                      <a:r>
+                        <a:rPr kumimoji="1" lang="ja-JP" altLang="en-US" sz="1400" dirty="0"/>
+                        <a:t>ライセンス</a:t>
+                      </a:r>
+                    </a:p>
+                  </a:txBody>
+                  <a:tcPr anchor="ctr"/>
+                </a:tc>
+                <a:extLst>
+                  <a:ext uri="{0D108BD9-81ED-4DB2-BD59-A6C34878D82A}">
+                    <a16:rowId xmlns:a16="http://schemas.microsoft.com/office/drawing/2014/main" val="3108287426"/>
+                  </a:ext>
+                </a:extLst>
+              </a:tr>
+              <a:tr h="557464">
+                <a:tc>
+                  <a:txBody>
+                    <a:bodyPr/>
+                    <a:lstStyle/>
+                    <a:p>
+                      <a:pPr marL="0" marR="0" lvl="0" indent="0" algn="ctr" defTabSz="914400" rtl="0" eaLnBrk="1" fontAlgn="auto" latinLnBrk="0" hangingPunct="1">
+                        <a:lnSpc>
+                          <a:spcPct val="100000"/>
+                        </a:lnSpc>
+                        <a:spcBef>
+                          <a:spcPts val="0"/>
+                        </a:spcBef>
+                        <a:spcAft>
+                          <a:spcPts val="0"/>
+                        </a:spcAft>
+                        <a:buClrTx/>
+                        <a:buSzTx/>
+                        <a:buFontTx/>
+                        <a:buNone/>
+                        <a:tabLst/>
+                        <a:defRPr/>
+                      </a:pPr>
+                      <a:r>
+                        <a:rPr kumimoji="1" lang="ja-JP" altLang="ja-JP" sz="1400" b="0" i="0" kern="1200" dirty="0">
+                          <a:solidFill>
+                            <a:schemeClr val="tx1"/>
+                          </a:solidFill>
+                          <a:effectLst/>
+                          <a:latin typeface="+mn-lt"/>
+                          <a:ea typeface="+mn-ea"/>
+                          <a:cs typeface="+mn-cs"/>
+                        </a:rPr>
+                        <a:t>7-Zip</a:t>
+                      </a:r>
+                    </a:p>
+                  </a:txBody>
+                  <a:tcPr anchor="ctr"/>
+                </a:tc>
+                <a:tc>
+                  <a:txBody>
+                    <a:bodyPr/>
+                    <a:lstStyle/>
+                    <a:p>
+                      <a:pPr marL="0" marR="0" lvl="0" indent="0" algn="ctr" defTabSz="914400" rtl="0" eaLnBrk="1" fontAlgn="auto" latinLnBrk="0" hangingPunct="1">
+                        <a:lnSpc>
+                          <a:spcPct val="100000"/>
+                        </a:lnSpc>
+                        <a:spcBef>
+                          <a:spcPts val="0"/>
+                        </a:spcBef>
+                        <a:spcAft>
+                          <a:spcPts val="0"/>
+                        </a:spcAft>
+                        <a:buClrTx/>
+                        <a:buSzTx/>
+                        <a:buFontTx/>
+                        <a:buNone/>
+                        <a:tabLst/>
+                        <a:defRPr/>
+                      </a:pPr>
+                      <a:r>
+                        <a:rPr kumimoji="1" lang="en-US" altLang="ja-JP" sz="1400" b="0" i="0" kern="1200" dirty="0">
+                          <a:solidFill>
+                            <a:schemeClr val="tx1"/>
+                          </a:solidFill>
+                          <a:effectLst/>
+                          <a:latin typeface="+mn-lt"/>
+                          <a:ea typeface="+mn-ea"/>
+                          <a:cs typeface="+mn-cs"/>
+                        </a:rPr>
+                        <a:t>graphviz.zip</a:t>
+                      </a:r>
+                      <a:r>
+                        <a:rPr kumimoji="1" lang="ja-JP" altLang="en-US" sz="1400" b="0" i="0" kern="1200" dirty="0">
+                          <a:solidFill>
+                            <a:schemeClr val="tx1"/>
+                          </a:solidFill>
+                          <a:effectLst/>
+                          <a:latin typeface="+mn-lt"/>
+                          <a:ea typeface="+mn-ea"/>
+                          <a:cs typeface="+mn-cs"/>
+                        </a:rPr>
+                        <a:t>の展開</a:t>
+                      </a:r>
+                      <a:endParaRPr kumimoji="1" lang="ja-JP" altLang="ja-JP" sz="1400" b="0" i="0" kern="1200" dirty="0">
+                        <a:solidFill>
+                          <a:schemeClr val="tx1"/>
+                        </a:solidFill>
+                        <a:effectLst/>
+                        <a:latin typeface="+mn-lt"/>
+                        <a:ea typeface="+mn-ea"/>
+                        <a:cs typeface="+mn-cs"/>
+                      </a:endParaRPr>
+                    </a:p>
+                  </a:txBody>
+                  <a:tcPr anchor="ctr"/>
+                </a:tc>
+                <a:tc>
+                  <a:txBody>
+                    <a:bodyPr/>
+                    <a:lstStyle/>
+                    <a:p>
+                      <a:pPr algn="ctr"/>
+                      <a:r>
+                        <a:rPr kumimoji="1" lang="en-US" altLang="ja-JP" sz="1400" dirty="0"/>
+                        <a:t>GNU LGPL</a:t>
+                      </a:r>
+                      <a:endParaRPr kumimoji="1" lang="ja-JP" altLang="en-US" sz="1400" dirty="0"/>
+                    </a:p>
+                  </a:txBody>
+                  <a:tcPr anchor="ctr"/>
+                </a:tc>
+                <a:extLst>
+                  <a:ext uri="{0D108BD9-81ED-4DB2-BD59-A6C34878D82A}">
+                    <a16:rowId xmlns:a16="http://schemas.microsoft.com/office/drawing/2014/main" val="4195357806"/>
+                  </a:ext>
+                </a:extLst>
+              </a:tr>
+              <a:tr h="557464">
+                <a:tc>
+                  <a:txBody>
+                    <a:bodyPr/>
+                    <a:lstStyle/>
+                    <a:p>
+                      <a:pPr algn="ctr"/>
+                      <a:r>
+                        <a:rPr kumimoji="1" lang="en-US" altLang="ja-JP" sz="1400" dirty="0" err="1"/>
+                        <a:t>grpahviz</a:t>
+                      </a:r>
+                      <a:endParaRPr kumimoji="1" lang="ja-JP" altLang="en-US" sz="1400" dirty="0"/>
+                    </a:p>
+                  </a:txBody>
+                  <a:tcPr anchor="ctr"/>
+                </a:tc>
+                <a:tc>
+                  <a:txBody>
+                    <a:bodyPr/>
+                    <a:lstStyle/>
+                    <a:p>
+                      <a:pPr algn="ctr"/>
+                      <a:r>
+                        <a:rPr kumimoji="1" lang="ja-JP" altLang="en-US" sz="1400" dirty="0"/>
+                        <a:t>グラフ描画</a:t>
+                      </a:r>
+                    </a:p>
+                  </a:txBody>
+                  <a:tcPr anchor="ctr"/>
+                </a:tc>
+                <a:tc>
+                  <a:txBody>
+                    <a:bodyPr/>
+                    <a:lstStyle/>
+                    <a:p>
+                      <a:pPr algn="ctr"/>
+                      <a:r>
+                        <a:rPr kumimoji="1" lang="en-US" altLang="ja-JP" sz="1400" dirty="0"/>
+                        <a:t>Eclipse Public License</a:t>
+                      </a:r>
+                      <a:endParaRPr kumimoji="1" lang="ja-JP" altLang="en-US" sz="1400" dirty="0"/>
+                    </a:p>
+                  </a:txBody>
+                  <a:tcPr anchor="ctr"/>
+                </a:tc>
+                <a:extLst>
+                  <a:ext uri="{0D108BD9-81ED-4DB2-BD59-A6C34878D82A}">
+                    <a16:rowId xmlns:a16="http://schemas.microsoft.com/office/drawing/2014/main" val="2370794094"/>
+                  </a:ext>
+                </a:extLst>
+              </a:tr>
+              <a:tr h="557464">
+                <a:tc>
+                  <a:txBody>
+                    <a:bodyPr/>
+                    <a:lstStyle/>
+                    <a:p>
+                      <a:pPr algn="ctr"/>
+                      <a:r>
+                        <a:rPr kumimoji="1" lang="en-US" altLang="ja-JP" sz="1400" dirty="0"/>
+                        <a:t>Anaconda</a:t>
+                      </a:r>
+                      <a:endParaRPr kumimoji="1" lang="ja-JP" altLang="en-US" sz="1400" dirty="0"/>
+                    </a:p>
+                  </a:txBody>
+                  <a:tcPr anchor="ctr"/>
+                </a:tc>
+                <a:tc>
+                  <a:txBody>
+                    <a:bodyPr/>
+                    <a:lstStyle/>
+                    <a:p>
+                      <a:pPr algn="ctr"/>
+                      <a:r>
+                        <a:rPr kumimoji="1" lang="ja-JP" altLang="en-US" sz="1400" dirty="0"/>
+                        <a:t>仮想環境</a:t>
+                      </a:r>
+                    </a:p>
+                  </a:txBody>
+                  <a:tcPr anchor="ctr"/>
+                </a:tc>
+                <a:tc>
+                  <a:txBody>
+                    <a:bodyPr/>
+                    <a:lstStyle/>
+                    <a:p>
+                      <a:pPr algn="ctr"/>
+                      <a:r>
+                        <a:rPr kumimoji="1" lang="en-US" altLang="ja-JP" sz="1400" dirty="0"/>
+                        <a:t>BSD</a:t>
+                      </a:r>
+                      <a:r>
+                        <a:rPr kumimoji="1" lang="ja-JP" altLang="en-US" sz="1400" dirty="0"/>
+                        <a:t> </a:t>
+                      </a:r>
+                      <a:r>
+                        <a:rPr kumimoji="1" lang="en-US" altLang="ja-JP" sz="1400" dirty="0"/>
+                        <a:t>License</a:t>
+                      </a:r>
+                      <a:endParaRPr kumimoji="1" lang="ja-JP" altLang="en-US" sz="1400" dirty="0"/>
+                    </a:p>
+                  </a:txBody>
+                  <a:tcPr anchor="ctr"/>
+                </a:tc>
+                <a:extLst>
+                  <a:ext uri="{0D108BD9-81ED-4DB2-BD59-A6C34878D82A}">
+                    <a16:rowId xmlns:a16="http://schemas.microsoft.com/office/drawing/2014/main" val="4092152510"/>
+                  </a:ext>
+                </a:extLst>
+              </a:tr>
+              <a:tr h="557464">
+                <a:tc>
+                  <a:txBody>
+                    <a:bodyPr/>
+                    <a:lstStyle/>
+                    <a:p>
+                      <a:pPr algn="ctr"/>
+                      <a:r>
+                        <a:rPr kumimoji="1" lang="en-US" altLang="ja-JP" sz="1400" dirty="0"/>
+                        <a:t>python</a:t>
+                      </a:r>
+                      <a:endParaRPr kumimoji="1" lang="ja-JP" altLang="en-US" sz="1400" dirty="0"/>
+                    </a:p>
+                  </a:txBody>
+                  <a:tcPr anchor="ctr"/>
+                </a:tc>
+                <a:tc>
+                  <a:txBody>
+                    <a:bodyPr/>
+                    <a:lstStyle/>
+                    <a:p>
+                      <a:pPr algn="ctr"/>
+                      <a:r>
+                        <a:rPr kumimoji="1" lang="ja-JP" altLang="en-US" sz="1400" dirty="0"/>
+                        <a:t>言語</a:t>
+                      </a:r>
+                    </a:p>
+                  </a:txBody>
+                  <a:tcPr anchor="ctr"/>
+                </a:tc>
+                <a:tc>
+                  <a:txBody>
+                    <a:bodyPr/>
+                    <a:lstStyle/>
+                    <a:p>
+                      <a:pPr algn="ctr"/>
+                      <a:r>
+                        <a:rPr kumimoji="1" lang="en-US" altLang="ja-JP" sz="1400" dirty="0"/>
+                        <a:t>PSF License</a:t>
+                      </a:r>
+                      <a:endParaRPr kumimoji="1" lang="ja-JP" altLang="en-US" sz="1400" dirty="0"/>
+                    </a:p>
+                  </a:txBody>
+                  <a:tcPr anchor="ctr"/>
+                </a:tc>
+                <a:extLst>
+                  <a:ext uri="{0D108BD9-81ED-4DB2-BD59-A6C34878D82A}">
+                    <a16:rowId xmlns:a16="http://schemas.microsoft.com/office/drawing/2014/main" val="1076809593"/>
+                  </a:ext>
+                </a:extLst>
+              </a:tr>
+              <a:tr h="557464">
+                <a:tc>
+                  <a:txBody>
+                    <a:bodyPr/>
+                    <a:lstStyle/>
+                    <a:p>
+                      <a:pPr algn="ctr"/>
+                      <a:r>
+                        <a:rPr kumimoji="1" lang="en-US" altLang="ja-JP" sz="1400" dirty="0"/>
+                        <a:t>python</a:t>
+                      </a:r>
+                      <a:r>
+                        <a:rPr kumimoji="1" lang="ja-JP" altLang="en-US" sz="1400" dirty="0"/>
+                        <a:t>用</a:t>
+                      </a:r>
+                      <a:endParaRPr kumimoji="1" lang="en-US" altLang="ja-JP" sz="1400" dirty="0"/>
+                    </a:p>
+                    <a:p>
+                      <a:pPr algn="ctr"/>
+                      <a:r>
+                        <a:rPr kumimoji="1" lang="ja-JP" altLang="en-US" sz="1400" dirty="0"/>
+                        <a:t>各種ライブラリ</a:t>
+                      </a:r>
+                    </a:p>
+                  </a:txBody>
+                  <a:tcPr anchor="ctr"/>
+                </a:tc>
+                <a:tc>
+                  <a:txBody>
+                    <a:bodyPr/>
+                    <a:lstStyle/>
+                    <a:p>
+                      <a:pPr algn="ctr"/>
+                      <a:r>
+                        <a:rPr kumimoji="1" lang="ja-JP" altLang="en-US" sz="1400" dirty="0"/>
+                        <a:t>・・・</a:t>
+                      </a:r>
+                    </a:p>
+                  </a:txBody>
+                  <a:tcPr anchor="ctr"/>
+                </a:tc>
+                <a:tc>
+                  <a:txBody>
+                    <a:bodyPr/>
+                    <a:lstStyle/>
+                    <a:p>
+                      <a:pPr algn="ctr"/>
+                      <a:r>
+                        <a:rPr kumimoji="1" lang="ja-JP" altLang="en-US" sz="1400" dirty="0"/>
+                        <a:t>・・・</a:t>
+                      </a:r>
+                    </a:p>
+                  </a:txBody>
+                  <a:tcPr anchor="ctr"/>
+                </a:tc>
+                <a:extLst>
+                  <a:ext uri="{0D108BD9-81ED-4DB2-BD59-A6C34878D82A}">
+                    <a16:rowId xmlns:a16="http://schemas.microsoft.com/office/drawing/2014/main" val="174499873"/>
+                  </a:ext>
+                </a:extLst>
+              </a:tr>
+            </a:tbl>
+          </a:graphicData>
+        </a:graphic>
+      </p:graphicFrame>
+      <p:sp>
+        <p:nvSpPr>
+          <p:cNvPr id="5" name="テキスト ボックス 4">
+            <a:extLst>
+              <a:ext uri="{FF2B5EF4-FFF2-40B4-BE49-F238E27FC236}">
+                <a16:creationId xmlns:a16="http://schemas.microsoft.com/office/drawing/2014/main" id="{FFAB9EEE-FABC-45EE-9B70-C6DD62C350E4}"/>
               </a:ext>
             </a:extLst>
           </p:cNvPr>
@@ -4394,8 +5331,8 @@
         </p:nvSpPr>
         <p:spPr>
           <a:xfrm>
-            <a:off x="2310575" y="2383155"/>
-            <a:ext cx="825867" cy="246221"/>
+            <a:off x="535497" y="4734145"/>
+            <a:ext cx="5296643" cy="892552"/>
           </a:xfrm>
           <a:prstGeom prst="rect">
             <a:avLst/>
@@ -4409,18 +5346,98 @@
           <a:lstStyle/>
           <a:p>
             <a:r>
-              <a:rPr kumimoji="1" lang="ja-JP" altLang="en-US" sz="1000" dirty="0"/>
-              <a:t>変数重要度</a:t>
-            </a:r>
-          </a:p>
-        </p:txBody>
-      </p:sp>
-      <p:sp>
-        <p:nvSpPr>
-          <p:cNvPr id="7" name="テキスト ボックス 6">
+              <a:rPr kumimoji="1" lang="ja-JP" altLang="en-US" sz="2000" dirty="0"/>
+              <a:t>どのライセンスも商用利用可能ですが、</a:t>
+            </a:r>
+            <a:endParaRPr kumimoji="1" lang="en-US" altLang="ja-JP" sz="2000" dirty="0"/>
+          </a:p>
+          <a:p>
+            <a:r>
+              <a:rPr lang="en-US" altLang="ja-JP" sz="2000" dirty="0"/>
+              <a:t>GNU LGPL</a:t>
+            </a:r>
+            <a:r>
+              <a:rPr lang="ja-JP" altLang="en-US" sz="2000" dirty="0"/>
+              <a:t>についてはやや注意が必要です。</a:t>
+            </a:r>
+            <a:endParaRPr lang="en-US" altLang="ja-JP" sz="2000" dirty="0"/>
+          </a:p>
+          <a:p>
+            <a:r>
+              <a:rPr lang="en-US" altLang="ja-JP" sz="1200" dirty="0">
+                <a:hlinkClick r:id="rId2"/>
+              </a:rPr>
+              <a:t>https://www.gnu.org/licenses/license-list.ja.html</a:t>
+            </a:r>
+            <a:endParaRPr kumimoji="1" lang="ja-JP" altLang="en-US" sz="1200" dirty="0"/>
+          </a:p>
+        </p:txBody>
+      </p:sp>
+    </p:spTree>
+    <p:extLst>
+      <p:ext uri="{BB962C8B-B14F-4D97-AF65-F5344CB8AC3E}">
+        <p14:creationId xmlns:p14="http://schemas.microsoft.com/office/powerpoint/2010/main" val="2170336461"/>
+      </p:ext>
+    </p:extLst>
+  </p:cSld>
+  <p:clrMapOvr>
+    <a:masterClrMapping/>
+  </p:clrMapOvr>
+</p:sld>
+</file>
+
+<file path=ppt/slides/slide12.xml><?xml version="1.0" encoding="utf-8"?>
+<p:sld xmlns:a="http://schemas.openxmlformats.org/drawingml/2006/main" xmlns:r="http://schemas.openxmlformats.org/officeDocument/2006/relationships" xmlns:p="http://schemas.openxmlformats.org/presentationml/2006/main">
+  <p:cSld>
+    <p:spTree>
+      <p:nvGrpSpPr>
+        <p:cNvPr id="1" name=""/>
+        <p:cNvGrpSpPr/>
+        <p:nvPr/>
+      </p:nvGrpSpPr>
+      <p:grpSpPr>
+        <a:xfrm>
+          <a:off x="0" y="0"/>
+          <a:ext cx="0" cy="0"/>
+          <a:chOff x="0" y="0"/>
+          <a:chExt cx="0" cy="0"/>
+        </a:xfrm>
+      </p:grpSpPr>
+      <p:sp>
+        <p:nvSpPr>
+          <p:cNvPr id="2" name="タイトル 1">
             <a:extLst>
               <a:ext uri="{FF2B5EF4-FFF2-40B4-BE49-F238E27FC236}">
-                <a16:creationId xmlns:a16="http://schemas.microsoft.com/office/drawing/2014/main" id="{3D6683EF-E9E2-43DF-BAC8-D4C00E000D20}"/>
+                <a16:creationId xmlns:a16="http://schemas.microsoft.com/office/drawing/2014/main" id="{677CF6A2-E819-4A2F-B120-C50411D4F82C}"/>
+              </a:ext>
+            </a:extLst>
+          </p:cNvPr>
+          <p:cNvSpPr>
+            <a:spLocks noGrp="1"/>
+          </p:cNvSpPr>
+          <p:nvPr>
+            <p:ph type="title"/>
+          </p:nvPr>
+        </p:nvSpPr>
+        <p:spPr/>
+        <p:txBody>
+          <a:bodyPr/>
+          <a:lstStyle/>
+          <a:p>
+            <a:r>
+              <a:rPr lang="ja-JP" altLang="en-US" dirty="0"/>
+              <a:t>ライセンス関係②</a:t>
+            </a:r>
+            <a:endParaRPr kumimoji="1" lang="ja-JP" altLang="en-US" dirty="0"/>
+          </a:p>
+        </p:txBody>
+      </p:sp>
+      <p:sp>
+        <p:nvSpPr>
+          <p:cNvPr id="3" name="テキスト ボックス 2">
+            <a:extLst>
+              <a:ext uri="{FF2B5EF4-FFF2-40B4-BE49-F238E27FC236}">
+                <a16:creationId xmlns:a16="http://schemas.microsoft.com/office/drawing/2014/main" id="{CF956D16-7C56-4668-8EDA-A846DDDAE3D7}"/>
               </a:ext>
             </a:extLst>
           </p:cNvPr>
@@ -4429,8 +5446,8 @@
         </p:nvSpPr>
         <p:spPr>
           <a:xfrm>
-            <a:off x="2310575" y="2668887"/>
-            <a:ext cx="1467068" cy="246221"/>
+            <a:off x="180903" y="945954"/>
+            <a:ext cx="8392041" cy="2462213"/>
           </a:xfrm>
           <a:prstGeom prst="rect">
             <a:avLst/>
@@ -4444,314 +5461,76 @@
           <a:lstStyle/>
           <a:p>
             <a:r>
-              <a:rPr kumimoji="1" lang="ja-JP" altLang="en-US" sz="1000" dirty="0"/>
-              <a:t>線形回帰のパラメータ</a:t>
-            </a:r>
-          </a:p>
-        </p:txBody>
-      </p:sp>
-      <p:sp>
-        <p:nvSpPr>
-          <p:cNvPr id="8" name="テキスト ボックス 7">
-            <a:extLst>
-              <a:ext uri="{FF2B5EF4-FFF2-40B4-BE49-F238E27FC236}">
-                <a16:creationId xmlns:a16="http://schemas.microsoft.com/office/drawing/2014/main" id="{7C53B0B4-93EC-4595-851F-B28C97CD7B54}"/>
-              </a:ext>
-            </a:extLst>
-          </p:cNvPr>
-          <p:cNvSpPr txBox="1"/>
-          <p:nvPr/>
-        </p:nvSpPr>
-        <p:spPr>
-          <a:xfrm>
-            <a:off x="2310575" y="3006293"/>
-            <a:ext cx="825867" cy="246221"/>
-          </a:xfrm>
-          <a:prstGeom prst="rect">
-            <a:avLst/>
-          </a:prstGeom>
-          <a:noFill/>
-        </p:spPr>
-        <p:txBody>
-          <a:bodyPr wrap="none" rtlCol="0">
-            <a:spAutoFit/>
-          </a:bodyPr>
-          <a:lstStyle/>
-          <a:p>
-            <a:r>
-              <a:rPr kumimoji="1" lang="ja-JP" altLang="en-US" sz="1000" dirty="0"/>
-              <a:t>全探索結果</a:t>
-            </a:r>
-          </a:p>
-        </p:txBody>
-      </p:sp>
-      <p:sp>
-        <p:nvSpPr>
-          <p:cNvPr id="9" name="テキスト ボックス 8">
-            <a:extLst>
-              <a:ext uri="{FF2B5EF4-FFF2-40B4-BE49-F238E27FC236}">
-                <a16:creationId xmlns:a16="http://schemas.microsoft.com/office/drawing/2014/main" id="{038D9B76-8FFC-403C-A582-34582AA4DE84}"/>
-              </a:ext>
-            </a:extLst>
-          </p:cNvPr>
-          <p:cNvSpPr txBox="1"/>
-          <p:nvPr/>
-        </p:nvSpPr>
-        <p:spPr>
-          <a:xfrm>
-            <a:off x="2310575" y="3362799"/>
-            <a:ext cx="1253869" cy="246221"/>
-          </a:xfrm>
-          <a:prstGeom prst="rect">
-            <a:avLst/>
-          </a:prstGeom>
-          <a:noFill/>
-        </p:spPr>
-        <p:txBody>
-          <a:bodyPr wrap="none" rtlCol="0">
-            <a:spAutoFit/>
-          </a:bodyPr>
-          <a:lstStyle/>
-          <a:p>
-            <a:r>
-              <a:rPr kumimoji="1" lang="ja-JP" altLang="en-US" sz="1000" dirty="0"/>
-              <a:t>実測</a:t>
-            </a:r>
-            <a:r>
-              <a:rPr kumimoji="1" lang="en-US" altLang="ja-JP" sz="1000" dirty="0"/>
-              <a:t>-</a:t>
-            </a:r>
-            <a:r>
-              <a:rPr kumimoji="1" lang="ja-JP" altLang="en-US" sz="1000" dirty="0"/>
-              <a:t>予測</a:t>
-            </a:r>
-            <a:r>
-              <a:rPr lang="ja-JP" altLang="en-US" sz="1000" dirty="0"/>
-              <a:t>プロット</a:t>
-            </a:r>
-            <a:endParaRPr kumimoji="1" lang="ja-JP" altLang="en-US" sz="1000" dirty="0"/>
-          </a:p>
-        </p:txBody>
-      </p:sp>
-      <p:sp>
-        <p:nvSpPr>
-          <p:cNvPr id="10" name="テキスト ボックス 9">
-            <a:extLst>
-              <a:ext uri="{FF2B5EF4-FFF2-40B4-BE49-F238E27FC236}">
-                <a16:creationId xmlns:a16="http://schemas.microsoft.com/office/drawing/2014/main" id="{D7A3FD60-E0AB-4ADC-8272-BFBB404CBC68}"/>
-              </a:ext>
-            </a:extLst>
-          </p:cNvPr>
-          <p:cNvSpPr txBox="1"/>
-          <p:nvPr/>
-        </p:nvSpPr>
-        <p:spPr>
-          <a:xfrm>
-            <a:off x="2310575" y="3744808"/>
-            <a:ext cx="1795684" cy="246221"/>
-          </a:xfrm>
-          <a:prstGeom prst="rect">
-            <a:avLst/>
-          </a:prstGeom>
-          <a:noFill/>
-        </p:spPr>
-        <p:txBody>
-          <a:bodyPr wrap="none" rtlCol="0">
-            <a:spAutoFit/>
-          </a:bodyPr>
-          <a:lstStyle/>
-          <a:p>
-            <a:r>
-              <a:rPr kumimoji="1" lang="en-US" altLang="ja-JP" sz="1000" dirty="0"/>
-              <a:t>train</a:t>
-            </a:r>
-            <a:r>
-              <a:rPr kumimoji="1" lang="ja-JP" altLang="en-US" sz="1000" dirty="0"/>
-              <a:t>と</a:t>
-            </a:r>
-            <a:r>
-              <a:rPr kumimoji="1" lang="en-US" altLang="ja-JP" sz="1000" dirty="0"/>
-              <a:t>test</a:t>
-            </a:r>
-            <a:r>
-              <a:rPr kumimoji="1" lang="ja-JP" altLang="en-US" sz="1000" dirty="0"/>
-              <a:t>の実測</a:t>
-            </a:r>
-            <a:r>
-              <a:rPr kumimoji="1" lang="en-US" altLang="ja-JP" sz="1000" dirty="0"/>
-              <a:t>-</a:t>
-            </a:r>
-            <a:r>
-              <a:rPr kumimoji="1" lang="ja-JP" altLang="en-US" sz="1000" dirty="0"/>
-              <a:t>予測データ</a:t>
-            </a:r>
-          </a:p>
-        </p:txBody>
-      </p:sp>
-      <p:sp>
-        <p:nvSpPr>
-          <p:cNvPr id="11" name="テキスト ボックス 10">
-            <a:extLst>
-              <a:ext uri="{FF2B5EF4-FFF2-40B4-BE49-F238E27FC236}">
-                <a16:creationId xmlns:a16="http://schemas.microsoft.com/office/drawing/2014/main" id="{2886DA4D-EE7E-4538-B67D-446C0B3BAD9D}"/>
-              </a:ext>
-            </a:extLst>
-          </p:cNvPr>
-          <p:cNvSpPr txBox="1"/>
-          <p:nvPr/>
-        </p:nvSpPr>
-        <p:spPr>
-          <a:xfrm>
-            <a:off x="2310575" y="4153650"/>
-            <a:ext cx="1723549" cy="246221"/>
-          </a:xfrm>
-          <a:prstGeom prst="rect">
-            <a:avLst/>
-          </a:prstGeom>
-          <a:noFill/>
-        </p:spPr>
-        <p:txBody>
-          <a:bodyPr wrap="none" rtlCol="0">
-            <a:spAutoFit/>
-          </a:bodyPr>
-          <a:lstStyle/>
-          <a:p>
-            <a:r>
-              <a:rPr lang="ja-JP" altLang="en-US" sz="1000" dirty="0"/>
-              <a:t>木系アルゴリズムの樹形図</a:t>
-            </a:r>
-            <a:endParaRPr kumimoji="1" lang="en-US" altLang="ja-JP" sz="1000" dirty="0"/>
-          </a:p>
-        </p:txBody>
-      </p:sp>
-      <p:sp>
-        <p:nvSpPr>
-          <p:cNvPr id="12" name="テキスト ボックス 11">
-            <a:extLst>
-              <a:ext uri="{FF2B5EF4-FFF2-40B4-BE49-F238E27FC236}">
-                <a16:creationId xmlns:a16="http://schemas.microsoft.com/office/drawing/2014/main" id="{754FEEF9-663B-456C-B141-571F2D4437E9}"/>
-              </a:ext>
-            </a:extLst>
-          </p:cNvPr>
-          <p:cNvSpPr txBox="1"/>
-          <p:nvPr/>
-        </p:nvSpPr>
-        <p:spPr>
-          <a:xfrm>
-            <a:off x="2310575" y="4399871"/>
-            <a:ext cx="1595309" cy="246221"/>
-          </a:xfrm>
-          <a:prstGeom prst="rect">
-            <a:avLst/>
-          </a:prstGeom>
-          <a:noFill/>
-        </p:spPr>
-        <p:txBody>
-          <a:bodyPr wrap="none" rtlCol="0">
-            <a:spAutoFit/>
-          </a:bodyPr>
-          <a:lstStyle/>
-          <a:p>
-            <a:r>
-              <a:rPr lang="ja-JP" altLang="en-US" sz="1000" dirty="0"/>
-              <a:t>相関係数のヒートマップ</a:t>
-            </a:r>
-            <a:endParaRPr kumimoji="1" lang="en-US" altLang="ja-JP" sz="1000" dirty="0"/>
-          </a:p>
-        </p:txBody>
-      </p:sp>
-      <p:sp>
-        <p:nvSpPr>
-          <p:cNvPr id="13" name="テキスト ボックス 12">
-            <a:extLst>
-              <a:ext uri="{FF2B5EF4-FFF2-40B4-BE49-F238E27FC236}">
-                <a16:creationId xmlns:a16="http://schemas.microsoft.com/office/drawing/2014/main" id="{C0799634-BCEA-42A7-AF88-43880A6ED61B}"/>
-              </a:ext>
-            </a:extLst>
-          </p:cNvPr>
-          <p:cNvSpPr txBox="1"/>
-          <p:nvPr/>
-        </p:nvSpPr>
-        <p:spPr>
-          <a:xfrm>
-            <a:off x="2310575" y="4604292"/>
-            <a:ext cx="2664512" cy="246221"/>
-          </a:xfrm>
-          <a:prstGeom prst="rect">
-            <a:avLst/>
-          </a:prstGeom>
-          <a:noFill/>
-        </p:spPr>
-        <p:txBody>
-          <a:bodyPr wrap="none" rtlCol="0">
-            <a:spAutoFit/>
-          </a:bodyPr>
-          <a:lstStyle/>
-          <a:p>
-            <a:r>
-              <a:rPr lang="ja-JP" altLang="en-US" sz="1000" dirty="0"/>
-              <a:t>実測</a:t>
-            </a:r>
-            <a:r>
-              <a:rPr lang="en-US" altLang="ja-JP" sz="1000" dirty="0"/>
-              <a:t>-</a:t>
-            </a:r>
-            <a:r>
-              <a:rPr lang="ja-JP" altLang="en-US" sz="1000" dirty="0"/>
-              <a:t>予測プロット（ランダムフォレスト）</a:t>
-            </a:r>
-            <a:endParaRPr kumimoji="1" lang="en-US" altLang="ja-JP" sz="1000" dirty="0"/>
-          </a:p>
-        </p:txBody>
-      </p:sp>
-      <p:sp>
-        <p:nvSpPr>
-          <p:cNvPr id="14" name="テキスト ボックス 13">
-            <a:extLst>
-              <a:ext uri="{FF2B5EF4-FFF2-40B4-BE49-F238E27FC236}">
-                <a16:creationId xmlns:a16="http://schemas.microsoft.com/office/drawing/2014/main" id="{B7D5123E-E6AC-44D0-BF9A-89AD4D78F016}"/>
-              </a:ext>
-            </a:extLst>
-          </p:cNvPr>
-          <p:cNvSpPr txBox="1"/>
-          <p:nvPr/>
-        </p:nvSpPr>
-        <p:spPr>
-          <a:xfrm>
-            <a:off x="2310575" y="4804846"/>
-            <a:ext cx="2646878" cy="246221"/>
-          </a:xfrm>
-          <a:prstGeom prst="rect">
-            <a:avLst/>
-          </a:prstGeom>
-          <a:noFill/>
-        </p:spPr>
-        <p:txBody>
-          <a:bodyPr wrap="none" rtlCol="0">
-            <a:spAutoFit/>
-          </a:bodyPr>
-          <a:lstStyle/>
-          <a:p>
-            <a:r>
-              <a:rPr lang="ja-JP" altLang="en-US" sz="1000" dirty="0"/>
-              <a:t>変数重要度</a:t>
-            </a:r>
-            <a:r>
-              <a:rPr lang="en-US" altLang="ja-JP" sz="1000" dirty="0"/>
-              <a:t>	</a:t>
-            </a:r>
-            <a:r>
-              <a:rPr lang="ja-JP" altLang="en-US" sz="1000" dirty="0"/>
-              <a:t>　（ランダムフォレスト）</a:t>
-            </a:r>
-            <a:endParaRPr kumimoji="1" lang="en-US" altLang="ja-JP" sz="1000" dirty="0"/>
+              <a:rPr lang="ja-JP" altLang="en-US" sz="2000" dirty="0"/>
+              <a:t>当ソフトでは採用していませんが、商用利用不可のライブラリ</a:t>
+            </a:r>
+            <a:endParaRPr lang="en-US" altLang="ja-JP" sz="2000" dirty="0"/>
+          </a:p>
+          <a:p>
+            <a:r>
+              <a:rPr kumimoji="1" lang="en-US" altLang="ja-JP" sz="2000" dirty="0"/>
+              <a:t>(</a:t>
+            </a:r>
+            <a:r>
+              <a:rPr kumimoji="1" lang="en-US" altLang="ja-JP" sz="2000" dirty="0" err="1"/>
+              <a:t>openpos</a:t>
+            </a:r>
+            <a:r>
+              <a:rPr lang="en-US" altLang="ja-JP" sz="2000" dirty="0" err="1"/>
+              <a:t>e</a:t>
+            </a:r>
+            <a:r>
+              <a:rPr lang="ja-JP" altLang="en-US" sz="2000" dirty="0"/>
+              <a:t>など）やデータセット（</a:t>
+            </a:r>
+            <a:r>
+              <a:rPr lang="en-US" altLang="ja-JP" sz="2000" dirty="0" err="1"/>
+              <a:t>Imagenet</a:t>
+            </a:r>
+            <a:r>
+              <a:rPr lang="ja-JP" altLang="en-US" sz="2000" dirty="0"/>
+              <a:t>）もあります。</a:t>
+            </a:r>
+            <a:endParaRPr lang="en-US" altLang="ja-JP" sz="2000" dirty="0"/>
+          </a:p>
+          <a:p>
+            <a:endParaRPr lang="en-US" altLang="ja-JP" sz="2000" dirty="0"/>
+          </a:p>
+          <a:p>
+            <a:r>
+              <a:rPr lang="en-US" altLang="ja-JP" sz="1400" dirty="0">
+                <a:hlinkClick r:id="rId2"/>
+              </a:rPr>
+              <a:t>https://repose.hatenadiary.jp/entry/2019/01/18/080052</a:t>
+            </a:r>
+            <a:endParaRPr lang="en-US" altLang="ja-JP" sz="1400" dirty="0"/>
+          </a:p>
+          <a:p>
+            <a:endParaRPr lang="en-US" altLang="ja-JP" sz="2000" dirty="0"/>
+          </a:p>
+          <a:p>
+            <a:endParaRPr lang="en-US" altLang="ja-JP" sz="2000" dirty="0"/>
+          </a:p>
+          <a:p>
+            <a:r>
+              <a:rPr lang="ja-JP" altLang="en-US" sz="2000" dirty="0"/>
+              <a:t>「知らぬ間に商用不可のライブラリを使っていた」ということがない様</a:t>
+            </a:r>
+            <a:endParaRPr lang="en-US" altLang="ja-JP" sz="2000" dirty="0"/>
+          </a:p>
+          <a:p>
+            <a:r>
+              <a:rPr lang="ja-JP" altLang="en-US" sz="2000" dirty="0"/>
+              <a:t>十分注意してください。</a:t>
+            </a:r>
+            <a:endParaRPr lang="en-US" altLang="ja-JP" sz="2000" dirty="0"/>
           </a:p>
         </p:txBody>
       </p:sp>
     </p:spTree>
     <p:extLst>
       <p:ext uri="{BB962C8B-B14F-4D97-AF65-F5344CB8AC3E}">
-        <p14:creationId xmlns:p14="http://schemas.microsoft.com/office/powerpoint/2010/main" val="4232076924"/>
+        <p14:creationId xmlns:p14="http://schemas.microsoft.com/office/powerpoint/2010/main" val="1405578768"/>
       </p:ext>
     </p:extLst>
   </p:cSld>
@@ -4883,10 +5662,10 @@
         </p:nvGrpSpPr>
         <p:grpSpPr>
           <a:xfrm>
-            <a:off x="4076945" y="1634423"/>
-            <a:ext cx="4142181" cy="1631216"/>
-            <a:chOff x="3849780" y="1439631"/>
-            <a:chExt cx="4142181" cy="1631216"/>
+            <a:off x="4076945" y="1152941"/>
+            <a:ext cx="4766380" cy="1631216"/>
+            <a:chOff x="3849780" y="958149"/>
+            <a:chExt cx="4766380" cy="1631216"/>
           </a:xfrm>
         </p:grpSpPr>
         <p:sp>
@@ -4938,8 +5717,8 @@
           </p:nvSpPr>
           <p:spPr>
             <a:xfrm>
-              <a:off x="5641638" y="1439631"/>
-              <a:ext cx="2350323" cy="1631216"/>
+              <a:off x="5610209" y="958149"/>
+              <a:ext cx="3005951" cy="1631216"/>
             </a:xfrm>
             <a:prstGeom prst="rect">
               <a:avLst/>
@@ -4975,30 +5754,22 @@
             <a:p>
               <a:r>
                 <a:rPr lang="ja-JP" altLang="en-US" sz="2000" dirty="0"/>
-                <a:t>・</a:t>
+                <a:t>・ディープラーニング</a:t>
               </a:r>
-              <a:r>
-                <a:rPr lang="ja-JP" altLang="en-US" sz="2000" strike="sngStrike" dirty="0">
-                  <a:solidFill>
-                    <a:schemeClr val="bg1">
-                      <a:lumMod val="65000"/>
-                    </a:schemeClr>
-                  </a:solidFill>
-                </a:rPr>
-                <a:t>ディープラーニング</a:t>
-              </a:r>
-              <a:endParaRPr lang="en-US" altLang="ja-JP" sz="2000" strike="sngStrike" dirty="0">
-                <a:solidFill>
-                  <a:schemeClr val="bg1">
-                    <a:lumMod val="65000"/>
-                  </a:schemeClr>
-                </a:solidFill>
-              </a:endParaRPr>
+              <a:endParaRPr lang="en-US" altLang="ja-JP" sz="2000" dirty="0"/>
             </a:p>
             <a:p>
               <a:r>
                 <a:rPr lang="ja-JP" altLang="en-US" sz="2000" dirty="0"/>
-                <a:t>を実行</a:t>
+                <a:t>　</a:t>
+              </a:r>
+              <a:r>
+                <a:rPr lang="en-US" altLang="ja-JP" sz="2000" dirty="0"/>
+                <a:t>10</a:t>
+              </a:r>
+              <a:r>
+                <a:rPr lang="ja-JP" altLang="en-US" sz="2000" dirty="0"/>
+                <a:t>種類以上の機械学習</a:t>
               </a:r>
               <a:endParaRPr lang="en-US" altLang="ja-JP" sz="2000" dirty="0"/>
             </a:p>
@@ -5380,8 +6151,12 @@
               <a:t>Anaconda</a:t>
             </a:r>
             <a:r>
-              <a:rPr kumimoji="1" lang="ja-JP" altLang="en-US" dirty="0"/>
-              <a:t>（</a:t>
+              <a:rPr lang="ja-JP" altLang="en-US" dirty="0"/>
+              <a:t> </a:t>
+            </a:r>
+            <a:r>
+              <a:rPr kumimoji="1" lang="en-US" altLang="ja-JP" dirty="0"/>
+              <a:t>or </a:t>
             </a:r>
             <a:r>
               <a:rPr kumimoji="1" lang="en-US" altLang="ja-JP" dirty="0" err="1"/>
@@ -5389,7 +6164,7 @@
             </a:r>
             <a:r>
               <a:rPr kumimoji="1" lang="ja-JP" altLang="en-US" dirty="0"/>
-              <a:t>）のインストール</a:t>
+              <a:t>のインストール</a:t>
             </a:r>
           </a:p>
         </p:txBody>
@@ -5435,7 +6210,15 @@
           <a:p>
             <a:r>
               <a:rPr lang="en-US" altLang="ja-JP" sz="2000" dirty="0"/>
-              <a:t>python 3.7 </a:t>
+              <a:t>python 3.7</a:t>
+            </a:r>
+            <a:r>
+              <a:rPr lang="ja-JP" altLang="en-US" sz="2000" dirty="0"/>
+              <a:t> もしくは最新版</a:t>
+            </a:r>
+            <a:r>
+              <a:rPr lang="en-US" altLang="ja-JP" sz="2000" dirty="0"/>
+              <a:t> </a:t>
             </a:r>
             <a:r>
               <a:rPr lang="ja-JP" altLang="en-US" sz="2000" dirty="0"/>
@@ -5543,7 +6326,7 @@
         <p:spPr>
           <a:xfrm>
             <a:off x="296525" y="4960039"/>
-            <a:ext cx="8658962" cy="1754326"/>
+            <a:ext cx="8658962" cy="1200329"/>
           </a:xfrm>
           <a:prstGeom prst="rect">
             <a:avLst/>
@@ -5570,23 +6353,23 @@
           <a:lstStyle/>
           <a:p>
             <a:r>
-              <a:rPr kumimoji="1" lang="ja-JP" altLang="en-US" sz="3600" dirty="0"/>
+              <a:rPr kumimoji="1" lang="ja-JP" altLang="en-US" sz="2400" dirty="0"/>
               <a:t>インストール</a:t>
             </a:r>
             <a:r>
-              <a:rPr lang="ja-JP" altLang="en-US" sz="3600" dirty="0"/>
+              <a:rPr lang="ja-JP" altLang="en-US" sz="2400" dirty="0"/>
               <a:t>途中の</a:t>
             </a:r>
             <a:r>
-              <a:rPr kumimoji="1" lang="ja-JP" altLang="en-US" sz="3600" dirty="0"/>
+              <a:rPr kumimoji="1" lang="ja-JP" altLang="en-US" sz="2400" dirty="0"/>
               <a:t>注意点</a:t>
             </a:r>
-            <a:endParaRPr kumimoji="1" lang="en-US" altLang="ja-JP" sz="3600" dirty="0"/>
+            <a:endParaRPr kumimoji="1" lang="en-US" altLang="ja-JP" sz="2400" dirty="0"/>
           </a:p>
           <a:p>
             <a:pPr algn="ctr"/>
             <a:r>
-              <a:rPr kumimoji="1" lang="en-US" altLang="ja-JP" sz="3600" dirty="0">
+              <a:rPr kumimoji="1" lang="en-US" altLang="ja-JP" sz="2400" dirty="0">
                 <a:solidFill>
                   <a:srgbClr val="FF0000"/>
                 </a:solidFill>
@@ -5594,7 +6377,7 @@
               <a:t>Add</a:t>
             </a:r>
             <a:r>
-              <a:rPr kumimoji="1" lang="ja-JP" altLang="en-US" sz="3600" dirty="0">
+              <a:rPr kumimoji="1" lang="ja-JP" altLang="en-US" sz="2400" dirty="0">
                 <a:solidFill>
                   <a:srgbClr val="FF0000"/>
                 </a:solidFill>
@@ -5602,7 +6385,7 @@
               <a:t>　</a:t>
             </a:r>
             <a:r>
-              <a:rPr kumimoji="1" lang="en-US" altLang="ja-JP" sz="3600" dirty="0">
+              <a:rPr kumimoji="1" lang="en-US" altLang="ja-JP" sz="2400" dirty="0">
                 <a:solidFill>
                   <a:srgbClr val="FF0000"/>
                 </a:solidFill>
@@ -5610,7 +6393,7 @@
               <a:t>Anaconda</a:t>
             </a:r>
             <a:r>
-              <a:rPr kumimoji="1" lang="ja-JP" altLang="en-US" sz="3600" dirty="0">
+              <a:rPr kumimoji="1" lang="ja-JP" altLang="en-US" sz="2400" dirty="0">
                 <a:solidFill>
                   <a:srgbClr val="FF0000"/>
                 </a:solidFill>
@@ -5618,7 +6401,7 @@
               <a:t> </a:t>
             </a:r>
             <a:r>
-              <a:rPr kumimoji="1" lang="en-US" altLang="ja-JP" sz="3600" dirty="0">
+              <a:rPr kumimoji="1" lang="en-US" altLang="ja-JP" sz="2400" dirty="0">
                 <a:solidFill>
                   <a:srgbClr val="FF0000"/>
                 </a:solidFill>
@@ -5626,14 +6409,14 @@
               <a:t>to my PATH</a:t>
             </a:r>
             <a:r>
-              <a:rPr kumimoji="1" lang="ja-JP" altLang="en-US" sz="3600" dirty="0">
+              <a:rPr kumimoji="1" lang="ja-JP" altLang="en-US" sz="2400" dirty="0">
                 <a:solidFill>
                   <a:srgbClr val="FF0000"/>
                 </a:solidFill>
               </a:rPr>
               <a:t>・・・に</a:t>
             </a:r>
-            <a:endParaRPr kumimoji="1" lang="en-US" altLang="ja-JP" sz="3600" dirty="0">
+            <a:endParaRPr kumimoji="1" lang="en-US" altLang="ja-JP" sz="2400" dirty="0">
               <a:solidFill>
                 <a:srgbClr val="FF0000"/>
               </a:solidFill>
@@ -5642,14 +6425,14 @@
           <a:p>
             <a:pPr algn="ctr"/>
             <a:r>
-              <a:rPr kumimoji="1" lang="ja-JP" altLang="en-US" sz="3600" dirty="0">
+              <a:rPr kumimoji="1" lang="ja-JP" altLang="en-US" sz="2400" dirty="0">
                 <a:solidFill>
                   <a:srgbClr val="FF0000"/>
                 </a:solidFill>
               </a:rPr>
-              <a:t>チェックを入れる！！</a:t>
-            </a:r>
-            <a:endParaRPr kumimoji="1" lang="en-US" altLang="ja-JP" sz="3600" dirty="0">
+              <a:t>チェックを入れる</a:t>
+            </a:r>
+            <a:endParaRPr kumimoji="1" lang="en-US" altLang="ja-JP" sz="2400" dirty="0">
               <a:solidFill>
                 <a:srgbClr val="FF0000"/>
               </a:solidFill>
@@ -5790,7 +6573,7 @@
         <p:spPr>
           <a:xfrm>
             <a:off x="373657" y="3474005"/>
-            <a:ext cx="4801314" cy="3170099"/>
+            <a:ext cx="4939173" cy="2862322"/>
           </a:xfrm>
           <a:prstGeom prst="rect">
             <a:avLst/>
@@ -5804,12 +6587,20 @@
           <a:lstStyle/>
           <a:p>
             <a:r>
+              <a:rPr lang="en-US" altLang="ja-JP" sz="2000" dirty="0">
+                <a:solidFill>
+                  <a:srgbClr val="FF0000"/>
+                </a:solidFill>
+              </a:rPr>
+              <a:t>Start_CAB_first_boot</a:t>
+            </a:r>
+            <a:r>
               <a:rPr kumimoji="1" lang="en-US" altLang="ja-JP" sz="2000" dirty="0">
                 <a:solidFill>
                   <a:srgbClr val="FF0000"/>
                 </a:solidFill>
               </a:rPr>
-              <a:t>start.bat </a:t>
+              <a:t>.bat </a:t>
             </a:r>
             <a:r>
               <a:rPr kumimoji="1" lang="ja-JP" altLang="en-US" sz="2000" dirty="0">
@@ -5898,13 +6689,6 @@
             <a:r>
               <a:rPr lang="ja-JP" altLang="en-US" sz="2000" dirty="0"/>
               <a:t>　・必要ライブラリのインストール</a:t>
-            </a:r>
-            <a:endParaRPr lang="en-US" altLang="ja-JP" sz="2000" dirty="0"/>
-          </a:p>
-          <a:p>
-            <a:r>
-              <a:rPr lang="ja-JP" altLang="en-US" sz="2000" dirty="0"/>
-              <a:t>　・プログラムの更新確認</a:t>
             </a:r>
             <a:endParaRPr lang="en-US" altLang="ja-JP" sz="2000" dirty="0"/>
           </a:p>
@@ -5963,36 +6747,6 @@
           </a:fontRef>
         </p:style>
       </p:cxnSp>
-      <p:pic>
-        <p:nvPicPr>
-          <p:cNvPr id="13" name="図 12">
-            <a:extLst>
-              <a:ext uri="{FF2B5EF4-FFF2-40B4-BE49-F238E27FC236}">
-                <a16:creationId xmlns:a16="http://schemas.microsoft.com/office/drawing/2014/main" id="{7F89B2CF-C3C1-4809-8988-B3F3D73ED827}"/>
-              </a:ext>
-            </a:extLst>
-          </p:cNvPr>
-          <p:cNvPicPr>
-            <a:picLocks noChangeAspect="1"/>
-          </p:cNvPicPr>
-          <p:nvPr/>
-        </p:nvPicPr>
-        <p:blipFill>
-          <a:blip r:embed="rId3"/>
-          <a:stretch>
-            <a:fillRect/>
-          </a:stretch>
-        </p:blipFill>
-        <p:spPr>
-          <a:xfrm>
-            <a:off x="429997" y="1245865"/>
-            <a:ext cx="5781675" cy="2047875"/>
-          </a:xfrm>
-          <a:prstGeom prst="rect">
-            <a:avLst/>
-          </a:prstGeom>
-        </p:spPr>
-      </p:pic>
       <p:grpSp>
         <p:nvGrpSpPr>
           <p:cNvPr id="5" name="グループ化 4">
@@ -6028,7 +6782,7 @@
             <p:nvPr/>
           </p:nvPicPr>
           <p:blipFill>
-            <a:blip r:embed="rId4"/>
+            <a:blip r:embed="rId3"/>
             <a:stretch>
               <a:fillRect/>
             </a:stretch>
@@ -6058,7 +6812,7 @@
             <p:nvPr/>
           </p:nvPicPr>
           <p:blipFill>
-            <a:blip r:embed="rId5"/>
+            <a:blip r:embed="rId4"/>
             <a:stretch>
               <a:fillRect/>
             </a:stretch>
@@ -6074,6 +6828,36 @@
           </p:spPr>
         </p:pic>
       </p:grpSp>
+      <p:pic>
+        <p:nvPicPr>
+          <p:cNvPr id="6" name="図 5">
+            <a:extLst>
+              <a:ext uri="{FF2B5EF4-FFF2-40B4-BE49-F238E27FC236}">
+                <a16:creationId xmlns:a16="http://schemas.microsoft.com/office/drawing/2014/main" id="{DEA8772F-C8D0-4807-B127-4B0DE45FECC6}"/>
+              </a:ext>
+            </a:extLst>
+          </p:cNvPr>
+          <p:cNvPicPr>
+            <a:picLocks noChangeAspect="1"/>
+          </p:cNvPicPr>
+          <p:nvPr/>
+        </p:nvPicPr>
+        <p:blipFill>
+          <a:blip r:embed="rId5"/>
+          <a:stretch>
+            <a:fillRect/>
+          </a:stretch>
+        </p:blipFill>
+        <p:spPr>
+          <a:xfrm>
+            <a:off x="451871" y="1292032"/>
+            <a:ext cx="1857375" cy="2286000"/>
+          </a:xfrm>
+          <a:prstGeom prst="rect">
+            <a:avLst/>
+          </a:prstGeom>
+        </p:spPr>
+      </p:pic>
     </p:spTree>
     <p:extLst>
       <p:ext uri="{BB962C8B-B14F-4D97-AF65-F5344CB8AC3E}">
@@ -6373,7 +7157,7 @@
         <p:spPr>
           <a:xfrm>
             <a:off x="296336" y="3977184"/>
-            <a:ext cx="4378122" cy="2554545"/>
+            <a:ext cx="4544834" cy="2554545"/>
           </a:xfrm>
           <a:prstGeom prst="rect">
             <a:avLst/>
@@ -6470,9 +7254,159 @@
             </a:r>
             <a:r>
               <a:rPr lang="ja-JP" altLang="en-US" sz="2000" dirty="0"/>
-              <a:t>数分間計算に要する</a:t>
+              <a:t>数分～数十分かかります</a:t>
             </a:r>
             <a:endParaRPr kumimoji="1" lang="en-US" altLang="ja-JP" sz="2000" dirty="0"/>
+          </a:p>
+        </p:txBody>
+      </p:sp>
+      <p:sp>
+        <p:nvSpPr>
+          <p:cNvPr id="3" name="吹き出し: 角を丸めた四角形 2">
+            <a:extLst>
+              <a:ext uri="{FF2B5EF4-FFF2-40B4-BE49-F238E27FC236}">
+                <a16:creationId xmlns:a16="http://schemas.microsoft.com/office/drawing/2014/main" id="{DF979D4D-A770-4675-A4AB-9DE4BC3C5487}"/>
+              </a:ext>
+            </a:extLst>
+          </p:cNvPr>
+          <p:cNvSpPr/>
+          <p:nvPr/>
+        </p:nvSpPr>
+        <p:spPr>
+          <a:xfrm>
+            <a:off x="4977044" y="4914165"/>
+            <a:ext cx="3015336" cy="1038420"/>
+          </a:xfrm>
+          <a:prstGeom prst="wedgeRoundRectCallout">
+            <a:avLst>
+              <a:gd name="adj1" fmla="val -125398"/>
+              <a:gd name="adj2" fmla="val 2760"/>
+              <a:gd name="adj3" fmla="val 16667"/>
+            </a:avLst>
+          </a:prstGeom>
+          <a:ln w="57150"/>
+        </p:spPr>
+        <p:style>
+          <a:lnRef idx="2">
+            <a:schemeClr val="accent2"/>
+          </a:lnRef>
+          <a:fillRef idx="1">
+            <a:schemeClr val="lt1"/>
+          </a:fillRef>
+          <a:effectRef idx="0">
+            <a:schemeClr val="accent2"/>
+          </a:effectRef>
+          <a:fontRef idx="minor">
+            <a:schemeClr val="dk1"/>
+          </a:fontRef>
+        </p:style>
+        <p:txBody>
+          <a:bodyPr rtlCol="0" anchor="ctr"/>
+          <a:lstStyle/>
+          <a:p>
+            <a:r>
+              <a:rPr lang="ja-JP" altLang="en-US" dirty="0"/>
+              <a:t>解析に使わない列が</a:t>
+            </a:r>
+            <a:r>
+              <a:rPr lang="en-US" altLang="ja-JP" dirty="0"/>
+              <a:t>0</a:t>
+            </a:r>
+            <a:r>
+              <a:rPr lang="ja-JP" altLang="en-US" dirty="0"/>
+              <a:t>列</a:t>
+            </a:r>
+            <a:endParaRPr lang="en-US" altLang="ja-JP" dirty="0"/>
+          </a:p>
+          <a:p>
+            <a:r>
+              <a:rPr lang="ja-JP" altLang="en-US" dirty="0"/>
+              <a:t>説明変数の列が</a:t>
+            </a:r>
+            <a:r>
+              <a:rPr lang="en-US" altLang="ja-JP" dirty="0"/>
+              <a:t>5</a:t>
+            </a:r>
+            <a:r>
+              <a:rPr lang="ja-JP" altLang="en-US" dirty="0"/>
+              <a:t>列</a:t>
+            </a:r>
+            <a:endParaRPr lang="en-US" altLang="ja-JP" dirty="0"/>
+          </a:p>
+          <a:p>
+            <a:r>
+              <a:rPr lang="ja-JP" altLang="en-US" dirty="0"/>
+              <a:t>目的変数の列が</a:t>
+            </a:r>
+            <a:r>
+              <a:rPr lang="en-US" altLang="ja-JP" dirty="0"/>
+              <a:t>1</a:t>
+            </a:r>
+            <a:r>
+              <a:rPr lang="ja-JP" altLang="en-US" dirty="0"/>
+              <a:t>列</a:t>
+            </a:r>
+            <a:endParaRPr lang="en-US" altLang="ja-JP" dirty="0"/>
+          </a:p>
+        </p:txBody>
+      </p:sp>
+      <p:sp>
+        <p:nvSpPr>
+          <p:cNvPr id="9" name="吹き出し: 角を丸めた四角形 8">
+            <a:extLst>
+              <a:ext uri="{FF2B5EF4-FFF2-40B4-BE49-F238E27FC236}">
+                <a16:creationId xmlns:a16="http://schemas.microsoft.com/office/drawing/2014/main" id="{72A4BF82-42E7-40EA-B6E3-20863677DD45}"/>
+              </a:ext>
+            </a:extLst>
+          </p:cNvPr>
+          <p:cNvSpPr/>
+          <p:nvPr/>
+        </p:nvSpPr>
+        <p:spPr>
+          <a:xfrm>
+            <a:off x="4977044" y="3718189"/>
+            <a:ext cx="4005446" cy="1038420"/>
+          </a:xfrm>
+          <a:prstGeom prst="wedgeRoundRectCallout">
+            <a:avLst>
+              <a:gd name="adj1" fmla="val -70914"/>
+              <a:gd name="adj2" fmla="val 28250"/>
+              <a:gd name="adj3" fmla="val 16667"/>
+            </a:avLst>
+          </a:prstGeom>
+          <a:ln w="57150"/>
+        </p:spPr>
+        <p:style>
+          <a:lnRef idx="2">
+            <a:schemeClr val="accent2"/>
+          </a:lnRef>
+          <a:fillRef idx="1">
+            <a:schemeClr val="lt1"/>
+          </a:fillRef>
+          <a:effectRef idx="0">
+            <a:schemeClr val="accent2"/>
+          </a:effectRef>
+          <a:fontRef idx="minor">
+            <a:schemeClr val="dk1"/>
+          </a:fontRef>
+        </p:style>
+        <p:txBody>
+          <a:bodyPr rtlCol="0" anchor="ctr"/>
+          <a:lstStyle/>
+          <a:p>
+            <a:r>
+              <a:rPr lang="ja-JP" altLang="en-US" dirty="0"/>
+              <a:t>デフォルト：</a:t>
+            </a:r>
+            <a:r>
+              <a:rPr lang="en-US" altLang="ja-JP" dirty="0"/>
+              <a:t>CSV</a:t>
+            </a:r>
+            <a:r>
+              <a:rPr lang="ja-JP" altLang="en-US" dirty="0"/>
+              <a:t>の親フォルダ名</a:t>
+            </a:r>
+            <a:endParaRPr lang="en-US" altLang="ja-JP" dirty="0"/>
           </a:p>
         </p:txBody>
       </p:sp>
@@ -6568,36 +7502,6 @@
           </a:prstGeom>
         </p:spPr>
       </p:pic>
-      <p:pic>
-        <p:nvPicPr>
-          <p:cNvPr id="9" name="図 8">
-            <a:extLst>
-              <a:ext uri="{FF2B5EF4-FFF2-40B4-BE49-F238E27FC236}">
-                <a16:creationId xmlns:a16="http://schemas.microsoft.com/office/drawing/2014/main" id="{4E0008B4-5676-4086-9E47-B808702CBEB0}"/>
-              </a:ext>
-            </a:extLst>
-          </p:cNvPr>
-          <p:cNvPicPr>
-            <a:picLocks noChangeAspect="1"/>
-          </p:cNvPicPr>
-          <p:nvPr/>
-        </p:nvPicPr>
-        <p:blipFill>
-          <a:blip r:embed="rId3"/>
-          <a:stretch>
-            <a:fillRect/>
-          </a:stretch>
-        </p:blipFill>
-        <p:spPr>
-          <a:xfrm>
-            <a:off x="465745" y="1251105"/>
-            <a:ext cx="6086475" cy="2447925"/>
-          </a:xfrm>
-          <a:prstGeom prst="rect">
-            <a:avLst/>
-          </a:prstGeom>
-        </p:spPr>
-      </p:pic>
       <p:sp>
         <p:nvSpPr>
           <p:cNvPr id="10" name="テキスト ボックス 9">
@@ -6613,7 +7517,7 @@
         <p:spPr>
           <a:xfrm>
             <a:off x="323528" y="3636125"/>
-            <a:ext cx="6647974" cy="1631216"/>
+            <a:ext cx="4632358" cy="400110"/>
           </a:xfrm>
           <a:prstGeom prst="rect">
             <a:avLst/>
@@ -6627,49 +7531,13 @@
           <a:lstStyle/>
           <a:p>
             <a:r>
-              <a:rPr kumimoji="1" lang="ja-JP" altLang="en-US" sz="2000" dirty="0"/>
-              <a:t>（非推奨・早）</a:t>
-            </a:r>
-            <a:r>
-              <a:rPr kumimoji="1" lang="en-US" altLang="ja-JP" sz="2000" dirty="0"/>
-              <a:t>	quick_start.bat </a:t>
+              <a:rPr lang="en-US" altLang="ja-JP" sz="2000" dirty="0"/>
+              <a:t>Start_CAB_quickly.bat</a:t>
             </a:r>
             <a:r>
               <a:rPr kumimoji="1" lang="ja-JP" altLang="en-US" sz="2000" dirty="0"/>
               <a:t>をダブルクリック</a:t>
             </a:r>
-            <a:endParaRPr kumimoji="1" lang="en-US" altLang="ja-JP" sz="2000" dirty="0"/>
-          </a:p>
-          <a:p>
-            <a:endParaRPr lang="en-US" altLang="ja-JP" sz="2000" dirty="0"/>
-          </a:p>
-          <a:p>
-            <a:r>
-              <a:rPr lang="ja-JP" altLang="en-US" sz="2000" dirty="0"/>
-              <a:t>（推奨）　</a:t>
-            </a:r>
-            <a:r>
-              <a:rPr lang="en-US" altLang="ja-JP" sz="2000" dirty="0"/>
-              <a:t>	start.bat</a:t>
-            </a:r>
-            <a:r>
-              <a:rPr lang="ja-JP" altLang="en-US" sz="2000" dirty="0"/>
-              <a:t>をダブルクリック</a:t>
-            </a:r>
-            <a:endParaRPr lang="en-US" altLang="ja-JP" sz="2000" dirty="0"/>
-          </a:p>
-          <a:p>
-            <a:r>
-              <a:rPr lang="en-US" altLang="ja-JP" sz="2000" dirty="0"/>
-              <a:t>		</a:t>
-            </a:r>
-            <a:r>
-              <a:rPr lang="ja-JP" altLang="en-US" sz="2000" dirty="0"/>
-              <a:t>プログラムの最新バージョンを毎回確認</a:t>
-            </a:r>
-            <a:endParaRPr lang="en-US" altLang="ja-JP" sz="2000" dirty="0"/>
-          </a:p>
-          <a:p>
             <a:endParaRPr kumimoji="1" lang="en-US" altLang="ja-JP" sz="2000" dirty="0"/>
           </a:p>
         </p:txBody>
@@ -6720,6 +7588,36 @@
           </a:fontRef>
         </p:style>
       </p:cxnSp>
+      <p:pic>
+        <p:nvPicPr>
+          <p:cNvPr id="3" name="図 2">
+            <a:extLst>
+              <a:ext uri="{FF2B5EF4-FFF2-40B4-BE49-F238E27FC236}">
+                <a16:creationId xmlns:a16="http://schemas.microsoft.com/office/drawing/2014/main" id="{A6BF37A7-F5F5-4785-B8CB-9A015B14EF3D}"/>
+              </a:ext>
+            </a:extLst>
+          </p:cNvPr>
+          <p:cNvPicPr>
+            <a:picLocks noChangeAspect="1"/>
+          </p:cNvPicPr>
+          <p:nvPr/>
+        </p:nvPicPr>
+        <p:blipFill>
+          <a:blip r:embed="rId3"/>
+          <a:stretch>
+            <a:fillRect/>
+          </a:stretch>
+        </p:blipFill>
+        <p:spPr>
+          <a:xfrm>
+            <a:off x="545496" y="1234937"/>
+            <a:ext cx="1857375" cy="2286000"/>
+          </a:xfrm>
+          <a:prstGeom prst="rect">
+            <a:avLst/>
+          </a:prstGeom>
+        </p:spPr>
+      </p:pic>
     </p:spTree>
     <p:extLst>
       <p:ext uri="{BB962C8B-B14F-4D97-AF65-F5344CB8AC3E}">
@@ -6888,7 +7786,7 @@
         </p:nvSpPr>
         <p:spPr>
           <a:xfrm>
-            <a:off x="4166955" y="5724255"/>
+            <a:off x="4211960" y="3482425"/>
             <a:ext cx="1845205" cy="261610"/>
           </a:xfrm>
           <a:prstGeom prst="rect">
